--- a/Poster/Coding Task II & Weather API Poster.pptx
+++ b/Poster/Coding Task II & Weather API Poster.pptx
@@ -3,7 +3,7 @@
 <p:presentation xmlns:a="http://schemas.openxmlformats.org/drawingml/2006/main" xmlns:r="http://schemas.openxmlformats.org/officeDocument/2006/relationships" xmlns:p="http://schemas.openxmlformats.org/presentationml/2006/main" strictFirstAndLastChars="0" saveSubsetFonts="1">
   <p:sldMasterIdLst>
     <p:sldMasterId id="2147483649" r:id="rId1"/>
-    <p:sldMasterId id="2147483688" r:id="rId2"/>
+    <p:sldMasterId id="2147483701" r:id="rId2"/>
   </p:sldMasterIdLst>
   <p:notesMasterIdLst>
     <p:notesMasterId r:id="rId4"/>
@@ -1540,8 +1540,13 @@
 </file>
 
 <file path=ppt/slideLayouts/slideLayout13.xml><?xml version="1.0" encoding="utf-8"?>
-<p:sldLayout xmlns:a="http://schemas.openxmlformats.org/drawingml/2006/main" xmlns:r="http://schemas.openxmlformats.org/officeDocument/2006/relationships" xmlns:p="http://schemas.openxmlformats.org/presentationml/2006/main" type="title" preserve="1">
+<p:sldLayout xmlns:a="http://schemas.openxmlformats.org/drawingml/2006/main" xmlns:r="http://schemas.openxmlformats.org/officeDocument/2006/relationships" xmlns:p="http://schemas.openxmlformats.org/presentationml/2006/main" showMasterSp="0" type="title" preserve="1">
   <p:cSld name="Title Slide">
+    <p:bg>
+      <p:bgRef idx="1003">
+        <a:schemeClr val="bg1"/>
+      </p:bgRef>
+    </p:bg>
     <p:spTree>
       <p:nvGrpSpPr>
         <p:cNvPr id="1" name=""/>
@@ -1558,35 +1563,101 @@
       </p:grpSpPr>
       <p:sp>
         <p:nvSpPr>
-          <p:cNvPr id="2" name="Title 1"/>
-          <p:cNvSpPr>
-            <a:spLocks noGrp="1"/>
-          </p:cNvSpPr>
-          <p:nvPr>
-            <p:ph type="ctrTitle"/>
-          </p:nvPr>
+          <p:cNvPr id="12" name="Rectangle 11"/>
+          <p:cNvSpPr/>
+          <p:nvPr/>
         </p:nvSpPr>
         <p:spPr>
           <a:xfrm>
-            <a:off x="2743200" y="15907192"/>
-            <a:ext cx="31089600" cy="10976187"/>
-          </a:xfrm>
-        </p:spPr>
-        <p:txBody>
-          <a:bodyPr/>
+            <a:off x="0" y="0"/>
+            <a:ext cx="36576000" cy="51206400"/>
+          </a:xfrm>
+          <a:prstGeom prst="rect">
+            <a:avLst/>
+          </a:prstGeom>
+          <a:solidFill>
+            <a:srgbClr val="FFFFFF"/>
+          </a:solidFill>
+          <a:ln w="12700" cap="flat" cmpd="sng" algn="ctr">
+            <a:noFill/>
+            <a:prstDash val="solid"/>
+          </a:ln>
+        </p:spPr>
+        <p:style>
+          <a:lnRef idx="2">
+            <a:schemeClr val="accent1"/>
+          </a:lnRef>
+          <a:fillRef idx="1">
+            <a:schemeClr val="accent1"/>
+          </a:fillRef>
+          <a:effectRef idx="0">
+            <a:schemeClr val="accent1"/>
+          </a:effectRef>
+          <a:fontRef idx="minor">
+            <a:schemeClr val="lt1"/>
+          </a:fontRef>
+        </p:style>
+        <p:txBody>
+          <a:bodyPr lIns="501612" tIns="250806" rIns="501612" bIns="250806" rtlCol="0" anchor="ctr"/>
           <a:lstStyle/>
           <a:p>
-            <a:r>
-              <a:rPr lang="en-US" smtClean="0"/>
-              <a:t>Click to edit Master title style</a:t>
-            </a:r>
-            <a:endParaRPr lang="en-GB"/>
-          </a:p>
-        </p:txBody>
-      </p:sp>
-      <p:sp>
-        <p:nvSpPr>
-          <p:cNvPr id="3" name="Subtitle 2"/>
+            <a:pPr algn="ctr" eaLnBrk="1" latinLnBrk="0" hangingPunct="1"/>
+            <a:endParaRPr kumimoji="0" lang="en-US"/>
+          </a:p>
+        </p:txBody>
+      </p:sp>
+      <p:sp useBgFill="1">
+        <p:nvSpPr>
+          <p:cNvPr id="13" name="Rounded Rectangle 12"/>
+          <p:cNvSpPr/>
+          <p:nvPr/>
+        </p:nvSpPr>
+        <p:spPr>
+          <a:xfrm>
+            <a:off x="261252" y="520841"/>
+            <a:ext cx="36053488" cy="49968434"/>
+          </a:xfrm>
+          <a:prstGeom prst="roundRect">
+            <a:avLst>
+              <a:gd name="adj" fmla="val 4929"/>
+            </a:avLst>
+          </a:prstGeom>
+          <a:ln w="6350" cap="sq" cmpd="sng" algn="ctr">
+            <a:solidFill>
+              <a:schemeClr val="tx1">
+                <a:alpha val="100000"/>
+              </a:schemeClr>
+            </a:solidFill>
+            <a:prstDash val="solid"/>
+          </a:ln>
+          <a:effectLst/>
+        </p:spPr>
+        <p:style>
+          <a:lnRef idx="3">
+            <a:schemeClr val="lt1"/>
+          </a:lnRef>
+          <a:fillRef idx="1001">
+            <a:schemeClr val="lt1"/>
+          </a:fillRef>
+          <a:effectRef idx="1">
+            <a:schemeClr val="accent1"/>
+          </a:effectRef>
+          <a:fontRef idx="minor">
+            <a:schemeClr val="lt1"/>
+          </a:fontRef>
+        </p:style>
+        <p:txBody>
+          <a:bodyPr lIns="501612" tIns="250806" rIns="501612" bIns="250806" anchor="ctr"/>
+          <a:lstStyle/>
+          <a:p>
+            <a:pPr algn="ctr" eaLnBrk="1" latinLnBrk="0" hangingPunct="1"/>
+            <a:endParaRPr kumimoji="0" lang="en-US"/>
+          </a:p>
+        </p:txBody>
+      </p:sp>
+      <p:sp>
+        <p:nvSpPr>
+          <p:cNvPr id="9" name="Subtitle 8"/>
           <p:cNvSpPr>
             <a:spLocks noGrp="1"/>
           </p:cNvSpPr>
@@ -1596,8 +1667,8 @@
         </p:nvSpPr>
         <p:spPr>
           <a:xfrm>
-            <a:off x="5486400" y="29016960"/>
-            <a:ext cx="25603200" cy="13086080"/>
+            <a:off x="5181600" y="23896320"/>
+            <a:ext cx="25603200" cy="11948160"/>
           </a:xfrm>
         </p:spPr>
         <p:txBody>
@@ -1605,156 +1676,108 @@
           <a:lstStyle>
             <a:lvl1pPr marL="0" indent="0" algn="ctr">
               <a:buNone/>
-              <a:defRPr>
+              <a:defRPr sz="14300">
                 <a:solidFill>
-                  <a:schemeClr val="tx1">
-                    <a:tint val="75000"/>
-                  </a:schemeClr>
+                  <a:schemeClr val="tx2"/>
                 </a:solidFill>
               </a:defRPr>
             </a:lvl1pPr>
-            <a:lvl2pPr marL="2505528" indent="0" algn="ctr">
-              <a:buNone/>
-              <a:defRPr>
+            <a:lvl2pPr marL="2508062" indent="0" algn="ctr">
+              <a:buNone/>
+            </a:lvl2pPr>
+            <a:lvl3pPr marL="5016124" indent="0" algn="ctr">
+              <a:buNone/>
+            </a:lvl3pPr>
+            <a:lvl4pPr marL="7524186" indent="0" algn="ctr">
+              <a:buNone/>
+            </a:lvl4pPr>
+            <a:lvl5pPr marL="10032248" indent="0" algn="ctr">
+              <a:buNone/>
+            </a:lvl5pPr>
+            <a:lvl6pPr marL="12540310" indent="0" algn="ctr">
+              <a:buNone/>
+            </a:lvl6pPr>
+            <a:lvl7pPr marL="15048372" indent="0" algn="ctr">
+              <a:buNone/>
+            </a:lvl7pPr>
+            <a:lvl8pPr marL="17556434" indent="0" algn="ctr">
+              <a:buNone/>
+            </a:lvl8pPr>
+            <a:lvl9pPr marL="20064496" indent="0" algn="ctr">
+              <a:buNone/>
+            </a:lvl9pPr>
+          </a:lstStyle>
+          <a:p>
+            <a:r>
+              <a:rPr kumimoji="0" lang="en-US" smtClean="0"/>
+              <a:t>Click to edit Master subtitle style</a:t>
+            </a:r>
+            <a:endParaRPr kumimoji="0" lang="en-US"/>
+          </a:p>
+        </p:txBody>
+      </p:sp>
+      <p:sp>
+        <p:nvSpPr>
+          <p:cNvPr id="28" name="Date Placeholder 27"/>
+          <p:cNvSpPr>
+            <a:spLocks noGrp="1"/>
+          </p:cNvSpPr>
+          <p:nvPr>
+            <p:ph type="dt" sz="half" idx="10"/>
+          </p:nvPr>
+        </p:nvSpPr>
+        <p:spPr/>
+        <p:txBody>
+          <a:bodyPr/>
+          <a:lstStyle/>
+          <a:p>
+            <a:endParaRPr lang="en-GB"/>
+          </a:p>
+        </p:txBody>
+      </p:sp>
+      <p:sp>
+        <p:nvSpPr>
+          <p:cNvPr id="17" name="Footer Placeholder 16"/>
+          <p:cNvSpPr>
+            <a:spLocks noGrp="1"/>
+          </p:cNvSpPr>
+          <p:nvPr>
+            <p:ph type="ftr" sz="quarter" idx="11"/>
+          </p:nvPr>
+        </p:nvSpPr>
+        <p:spPr/>
+        <p:txBody>
+          <a:bodyPr/>
+          <a:lstStyle/>
+          <a:p>
+            <a:endParaRPr lang="en-GB"/>
+          </a:p>
+        </p:txBody>
+      </p:sp>
+      <p:sp>
+        <p:nvSpPr>
+          <p:cNvPr id="29" name="Slide Number Placeholder 28"/>
+          <p:cNvSpPr>
+            <a:spLocks noGrp="1"/>
+          </p:cNvSpPr>
+          <p:nvPr>
+            <p:ph type="sldNum" sz="quarter" idx="12"/>
+          </p:nvPr>
+        </p:nvSpPr>
+        <p:spPr/>
+        <p:txBody>
+          <a:bodyPr lIns="0" tIns="0" rIns="0" bIns="0">
+            <a:noAutofit/>
+          </a:bodyPr>
+          <a:lstStyle>
+            <a:lvl1pPr>
+              <a:defRPr sz="7700">
                 <a:solidFill>
-                  <a:schemeClr val="tx1">
-                    <a:tint val="75000"/>
-                  </a:schemeClr>
+                  <a:srgbClr val="FFFFFF"/>
                 </a:solidFill>
               </a:defRPr>
-            </a:lvl2pPr>
-            <a:lvl3pPr marL="5011055" indent="0" algn="ctr">
-              <a:buNone/>
-              <a:defRPr>
-                <a:solidFill>
-                  <a:schemeClr val="tx1">
-                    <a:tint val="75000"/>
-                  </a:schemeClr>
-                </a:solidFill>
-              </a:defRPr>
-            </a:lvl3pPr>
-            <a:lvl4pPr marL="7516583" indent="0" algn="ctr">
-              <a:buNone/>
-              <a:defRPr>
-                <a:solidFill>
-                  <a:schemeClr val="tx1">
-                    <a:tint val="75000"/>
-                  </a:schemeClr>
-                </a:solidFill>
-              </a:defRPr>
-            </a:lvl4pPr>
-            <a:lvl5pPr marL="10022111" indent="0" algn="ctr">
-              <a:buNone/>
-              <a:defRPr>
-                <a:solidFill>
-                  <a:schemeClr val="tx1">
-                    <a:tint val="75000"/>
-                  </a:schemeClr>
-                </a:solidFill>
-              </a:defRPr>
-            </a:lvl5pPr>
-            <a:lvl6pPr marL="12527633" indent="0" algn="ctr">
-              <a:buNone/>
-              <a:defRPr>
-                <a:solidFill>
-                  <a:schemeClr val="tx1">
-                    <a:tint val="75000"/>
-                  </a:schemeClr>
-                </a:solidFill>
-              </a:defRPr>
-            </a:lvl6pPr>
-            <a:lvl7pPr marL="15033160" indent="0" algn="ctr">
-              <a:buNone/>
-              <a:defRPr>
-                <a:solidFill>
-                  <a:schemeClr val="tx1">
-                    <a:tint val="75000"/>
-                  </a:schemeClr>
-                </a:solidFill>
-              </a:defRPr>
-            </a:lvl7pPr>
-            <a:lvl8pPr marL="17538688" indent="0" algn="ctr">
-              <a:buNone/>
-              <a:defRPr>
-                <a:solidFill>
-                  <a:schemeClr val="tx1">
-                    <a:tint val="75000"/>
-                  </a:schemeClr>
-                </a:solidFill>
-              </a:defRPr>
-            </a:lvl8pPr>
-            <a:lvl9pPr marL="20044216" indent="0" algn="ctr">
-              <a:buNone/>
-              <a:defRPr>
-                <a:solidFill>
-                  <a:schemeClr val="tx1">
-                    <a:tint val="75000"/>
-                  </a:schemeClr>
-                </a:solidFill>
-              </a:defRPr>
-            </a:lvl9pPr>
+            </a:lvl1pPr>
           </a:lstStyle>
-          <a:p>
-            <a:r>
-              <a:rPr lang="en-US" smtClean="0"/>
-              <a:t>Click to edit Master subtitle style</a:t>
-            </a:r>
-            <a:endParaRPr lang="en-GB"/>
-          </a:p>
-        </p:txBody>
-      </p:sp>
-      <p:sp>
-        <p:nvSpPr>
-          <p:cNvPr id="4" name="Date Placeholder 3"/>
-          <p:cNvSpPr>
-            <a:spLocks noGrp="1"/>
-          </p:cNvSpPr>
-          <p:nvPr>
-            <p:ph type="dt" sz="half" idx="10"/>
-          </p:nvPr>
-        </p:nvSpPr>
-        <p:spPr/>
-        <p:txBody>
-          <a:bodyPr/>
-          <a:lstStyle/>
-          <a:p>
-            <a:endParaRPr lang="en-GB"/>
-          </a:p>
-        </p:txBody>
-      </p:sp>
-      <p:sp>
-        <p:nvSpPr>
-          <p:cNvPr id="5" name="Footer Placeholder 4"/>
-          <p:cNvSpPr>
-            <a:spLocks noGrp="1"/>
-          </p:cNvSpPr>
-          <p:nvPr>
-            <p:ph type="ftr" sz="quarter" idx="11"/>
-          </p:nvPr>
-        </p:nvSpPr>
-        <p:spPr/>
-        <p:txBody>
-          <a:bodyPr/>
-          <a:lstStyle/>
-          <a:p>
-            <a:endParaRPr lang="en-GB"/>
-          </a:p>
-        </p:txBody>
-      </p:sp>
-      <p:sp>
-        <p:nvSpPr>
-          <p:cNvPr id="6" name="Slide Number Placeholder 5"/>
-          <p:cNvSpPr>
-            <a:spLocks noGrp="1"/>
-          </p:cNvSpPr>
-          <p:nvPr>
-            <p:ph type="sldNum" sz="quarter" idx="12"/>
-          </p:nvPr>
-        </p:nvSpPr>
-        <p:spPr/>
-        <p:txBody>
-          <a:bodyPr/>
-          <a:lstStyle/>
           <a:p>
             <a:fld id="{7F38B67D-B424-4EF4-A60A-7F25A00FC015}" type="slidenum">
               <a:rPr lang="en-GB" smtClean="0"/>
@@ -1765,15 +1788,188 @@
           </a:p>
         </p:txBody>
       </p:sp>
+      <p:sp>
+        <p:nvSpPr>
+          <p:cNvPr id="7" name="Rectangle 6"/>
+          <p:cNvSpPr/>
+          <p:nvPr/>
+        </p:nvSpPr>
+        <p:spPr>
+          <a:xfrm>
+            <a:off x="251726" y="10821466"/>
+            <a:ext cx="36086148" cy="11404206"/>
+          </a:xfrm>
+          <a:prstGeom prst="rect">
+            <a:avLst/>
+          </a:prstGeom>
+          <a:solidFill>
+            <a:schemeClr val="accent1">
+              <a:alpha val="100000"/>
+            </a:schemeClr>
+          </a:solidFill>
+          <a:ln w="19050" cap="sq" cmpd="sng" algn="ctr">
+            <a:noFill/>
+            <a:prstDash val="solid"/>
+          </a:ln>
+          <a:effectLst/>
+        </p:spPr>
+        <p:style>
+          <a:lnRef idx="3">
+            <a:schemeClr val="lt1"/>
+          </a:lnRef>
+          <a:fillRef idx="1">
+            <a:schemeClr val="accent1"/>
+          </a:fillRef>
+          <a:effectRef idx="1">
+            <a:schemeClr val="accent1"/>
+          </a:effectRef>
+          <a:fontRef idx="minor">
+            <a:schemeClr val="lt1"/>
+          </a:fontRef>
+        </p:style>
+        <p:txBody>
+          <a:bodyPr lIns="501612" tIns="250806" rIns="501612" bIns="250806" anchor="ctr"/>
+          <a:lstStyle/>
+          <a:p>
+            <a:pPr algn="ctr" eaLnBrk="1" latinLnBrk="0" hangingPunct="1"/>
+            <a:endParaRPr kumimoji="0" lang="en-US"/>
+          </a:p>
+        </p:txBody>
+      </p:sp>
+      <p:sp>
+        <p:nvSpPr>
+          <p:cNvPr id="10" name="Rectangle 9"/>
+          <p:cNvSpPr/>
+          <p:nvPr/>
+        </p:nvSpPr>
+        <p:spPr>
+          <a:xfrm>
+            <a:off x="251726" y="10428843"/>
+            <a:ext cx="36086148" cy="900331"/>
+          </a:xfrm>
+          <a:prstGeom prst="rect">
+            <a:avLst/>
+          </a:prstGeom>
+          <a:solidFill>
+            <a:schemeClr val="accent1">
+              <a:tint val="60000"/>
+            </a:schemeClr>
+          </a:solidFill>
+          <a:ln w="19050" cap="sq" cmpd="sng" algn="ctr">
+            <a:noFill/>
+            <a:prstDash val="solid"/>
+          </a:ln>
+          <a:effectLst/>
+        </p:spPr>
+        <p:style>
+          <a:lnRef idx="3">
+            <a:schemeClr val="lt1"/>
+          </a:lnRef>
+          <a:fillRef idx="1">
+            <a:schemeClr val="accent1"/>
+          </a:fillRef>
+          <a:effectRef idx="1">
+            <a:schemeClr val="accent1"/>
+          </a:effectRef>
+          <a:fontRef idx="minor">
+            <a:schemeClr val="lt1"/>
+          </a:fontRef>
+        </p:style>
+        <p:txBody>
+          <a:bodyPr lIns="501612" tIns="250806" rIns="501612" bIns="250806" anchor="ctr"/>
+          <a:lstStyle/>
+          <a:p>
+            <a:pPr algn="ctr" eaLnBrk="1" latinLnBrk="0" hangingPunct="1"/>
+            <a:endParaRPr kumimoji="0" lang="en-US"/>
+          </a:p>
+        </p:txBody>
+      </p:sp>
+      <p:sp>
+        <p:nvSpPr>
+          <p:cNvPr id="11" name="Rectangle 10"/>
+          <p:cNvSpPr/>
+          <p:nvPr/>
+        </p:nvSpPr>
+        <p:spPr>
+          <a:xfrm>
+            <a:off x="251726" y="22225646"/>
+            <a:ext cx="36086148" cy="825306"/>
+          </a:xfrm>
+          <a:prstGeom prst="rect">
+            <a:avLst/>
+          </a:prstGeom>
+          <a:solidFill>
+            <a:schemeClr val="accent5"/>
+          </a:solidFill>
+          <a:ln w="19050" cap="sq" cmpd="sng" algn="ctr">
+            <a:noFill/>
+            <a:prstDash val="solid"/>
+          </a:ln>
+          <a:effectLst/>
+        </p:spPr>
+        <p:style>
+          <a:lnRef idx="3">
+            <a:schemeClr val="lt1"/>
+          </a:lnRef>
+          <a:fillRef idx="1">
+            <a:schemeClr val="accent1"/>
+          </a:fillRef>
+          <a:effectRef idx="1">
+            <a:schemeClr val="accent1"/>
+          </a:effectRef>
+          <a:fontRef idx="minor">
+            <a:schemeClr val="lt1"/>
+          </a:fontRef>
+        </p:style>
+        <p:txBody>
+          <a:bodyPr lIns="501612" tIns="250806" rIns="501612" bIns="250806" anchor="ctr"/>
+          <a:lstStyle/>
+          <a:p>
+            <a:pPr algn="ctr" eaLnBrk="1" latinLnBrk="0" hangingPunct="1"/>
+            <a:endParaRPr kumimoji="0" lang="en-US"/>
+          </a:p>
+        </p:txBody>
+      </p:sp>
+      <p:sp>
+        <p:nvSpPr>
+          <p:cNvPr id="8" name="Title 7"/>
+          <p:cNvSpPr>
+            <a:spLocks noGrp="1"/>
+          </p:cNvSpPr>
+          <p:nvPr>
+            <p:ph type="ctrTitle"/>
+          </p:nvPr>
+        </p:nvSpPr>
+        <p:spPr>
+          <a:xfrm>
+            <a:off x="1828800" y="11244281"/>
+            <a:ext cx="32918400" cy="10976187"/>
+          </a:xfrm>
+        </p:spPr>
+        <p:txBody>
+          <a:bodyPr anchor="ctr"/>
+          <a:lstStyle>
+            <a:lvl1pPr algn="ctr">
+              <a:defRPr lang="en-US" dirty="0">
+                <a:solidFill>
+                  <a:srgbClr val="FFFFFF"/>
+                </a:solidFill>
+              </a:defRPr>
+            </a:lvl1pPr>
+          </a:lstStyle>
+          <a:p>
+            <a:r>
+              <a:rPr kumimoji="0" lang="en-US" smtClean="0"/>
+              <a:t>Click to edit Master title style</a:t>
+            </a:r>
+            <a:endParaRPr kumimoji="0" lang="en-US"/>
+          </a:p>
+        </p:txBody>
+      </p:sp>
     </p:spTree>
-    <p:extLst>
-      <p:ext uri="{BB962C8B-B14F-4D97-AF65-F5344CB8AC3E}">
-        <p14:creationId xmlns:p14="http://schemas.microsoft.com/office/powerpoint/2010/main" val="760789778"/>
-      </p:ext>
-    </p:extLst>
   </p:cSld>
   <p:clrMapOvr>
-    <a:masterClrMapping/>
+    <a:overrideClrMapping bg1="lt1" tx1="dk1" bg2="lt2" tx2="dk2" accent1="accent1" accent2="accent2" accent3="accent3" accent4="accent4" accent5="accent5" accent6="accent6" hlink="hlink" folHlink="folHlink"/>
   </p:clrMapOvr>
 </p:sldLayout>
 </file>
@@ -1811,62 +2007,10 @@
           <a:lstStyle/>
           <a:p>
             <a:r>
-              <a:rPr lang="en-US" smtClean="0"/>
+              <a:rPr kumimoji="0" lang="en-US" smtClean="0"/>
               <a:t>Click to edit Master title style</a:t>
             </a:r>
-            <a:endParaRPr lang="en-GB"/>
-          </a:p>
-        </p:txBody>
-      </p:sp>
-      <p:sp>
-        <p:nvSpPr>
-          <p:cNvPr id="3" name="Content Placeholder 2"/>
-          <p:cNvSpPr>
-            <a:spLocks noGrp="1"/>
-          </p:cNvSpPr>
-          <p:nvPr>
-            <p:ph idx="1"/>
-          </p:nvPr>
-        </p:nvSpPr>
-        <p:spPr/>
-        <p:txBody>
-          <a:bodyPr/>
-          <a:lstStyle/>
-          <a:p>
-            <a:pPr lvl="0"/>
-            <a:r>
-              <a:rPr lang="en-US" smtClean="0"/>
-              <a:t>Click to edit Master text styles</a:t>
-            </a:r>
-          </a:p>
-          <a:p>
-            <a:pPr lvl="1"/>
-            <a:r>
-              <a:rPr lang="en-US" smtClean="0"/>
-              <a:t>Second level</a:t>
-            </a:r>
-          </a:p>
-          <a:p>
-            <a:pPr lvl="2"/>
-            <a:r>
-              <a:rPr lang="en-US" smtClean="0"/>
-              <a:t>Third level</a:t>
-            </a:r>
-          </a:p>
-          <a:p>
-            <a:pPr lvl="3"/>
-            <a:r>
-              <a:rPr lang="en-US" smtClean="0"/>
-              <a:t>Fourth level</a:t>
-            </a:r>
-          </a:p>
-          <a:p>
-            <a:pPr lvl="4"/>
-            <a:r>
-              <a:rPr lang="en-US" smtClean="0"/>
-              <a:t>Fifth level</a:t>
-            </a:r>
-            <a:endParaRPr lang="en-GB"/>
+            <a:endParaRPr kumimoji="0" lang="en-US"/>
           </a:p>
         </p:txBody>
       </p:sp>
@@ -1932,12 +2076,64 @@
           </a:p>
         </p:txBody>
       </p:sp>
+      <p:sp>
+        <p:nvSpPr>
+          <p:cNvPr id="8" name="Content Placeholder 7"/>
+          <p:cNvSpPr>
+            <a:spLocks noGrp="1"/>
+          </p:cNvSpPr>
+          <p:nvPr>
+            <p:ph sz="quarter" idx="1"/>
+          </p:nvPr>
+        </p:nvSpPr>
+        <p:spPr>
+          <a:xfrm>
+            <a:off x="3657600" y="10810240"/>
+            <a:ext cx="31089600" cy="34137600"/>
+          </a:xfrm>
+        </p:spPr>
+        <p:txBody>
+          <a:bodyPr vert="horz"/>
+          <a:lstStyle/>
+          <a:p>
+            <a:pPr lvl="0" eaLnBrk="1" latinLnBrk="0" hangingPunct="1"/>
+            <a:r>
+              <a:rPr lang="en-US" smtClean="0"/>
+              <a:t>Click to edit Master text styles</a:t>
+            </a:r>
+          </a:p>
+          <a:p>
+            <a:pPr lvl="1" eaLnBrk="1" latinLnBrk="0" hangingPunct="1"/>
+            <a:r>
+              <a:rPr lang="en-US" smtClean="0"/>
+              <a:t>Second level</a:t>
+            </a:r>
+          </a:p>
+          <a:p>
+            <a:pPr lvl="2" eaLnBrk="1" latinLnBrk="0" hangingPunct="1"/>
+            <a:r>
+              <a:rPr lang="en-US" smtClean="0"/>
+              <a:t>Third level</a:t>
+            </a:r>
+          </a:p>
+          <a:p>
+            <a:pPr lvl="3" eaLnBrk="1" latinLnBrk="0" hangingPunct="1"/>
+            <a:r>
+              <a:rPr lang="en-US" smtClean="0"/>
+              <a:t>Fourth level</a:t>
+            </a:r>
+          </a:p>
+          <a:p>
+            <a:pPr lvl="4" eaLnBrk="1" latinLnBrk="0" hangingPunct="1"/>
+            <a:r>
+              <a:rPr lang="en-US" smtClean="0"/>
+              <a:t>Fifth level</a:t>
+            </a:r>
+            <a:endParaRPr kumimoji="0" lang="en-US"/>
+          </a:p>
+        </p:txBody>
+      </p:sp>
     </p:spTree>
-    <p:extLst>
-      <p:ext uri="{BB962C8B-B14F-4D97-AF65-F5344CB8AC3E}">
-        <p14:creationId xmlns:p14="http://schemas.microsoft.com/office/powerpoint/2010/main" val="4275665612"/>
-      </p:ext>
-    </p:extLst>
   </p:cSld>
   <p:clrMapOvr>
     <a:masterClrMapping/>
@@ -1946,8 +2142,13 @@
 </file>
 
 <file path=ppt/slideLayouts/slideLayout15.xml><?xml version="1.0" encoding="utf-8"?>
-<p:sldLayout xmlns:a="http://schemas.openxmlformats.org/drawingml/2006/main" xmlns:r="http://schemas.openxmlformats.org/officeDocument/2006/relationships" xmlns:p="http://schemas.openxmlformats.org/presentationml/2006/main" type="secHead" preserve="1">
+<p:sldLayout xmlns:a="http://schemas.openxmlformats.org/drawingml/2006/main" xmlns:r="http://schemas.openxmlformats.org/officeDocument/2006/relationships" xmlns:p="http://schemas.openxmlformats.org/presentationml/2006/main" showMasterSp="0" type="secHead" preserve="1">
   <p:cSld name="Section Header">
+    <p:bg>
+      <p:bgRef idx="1003">
+        <a:schemeClr val="bg1"/>
+      </p:bgRef>
+    </p:bg>
     <p:spTree>
       <p:nvGrpSpPr>
         <p:cNvPr id="1" name=""/>
@@ -1964,6 +2165,100 @@
       </p:grpSpPr>
       <p:sp>
         <p:nvSpPr>
+          <p:cNvPr id="11" name="Rectangle 10"/>
+          <p:cNvSpPr/>
+          <p:nvPr/>
+        </p:nvSpPr>
+        <p:spPr>
+          <a:xfrm>
+            <a:off x="0" y="0"/>
+            <a:ext cx="36576000" cy="51206400"/>
+          </a:xfrm>
+          <a:prstGeom prst="rect">
+            <a:avLst/>
+          </a:prstGeom>
+          <a:solidFill>
+            <a:srgbClr val="FFFFFF"/>
+          </a:solidFill>
+          <a:ln w="12700" cap="flat" cmpd="sng" algn="ctr">
+            <a:noFill/>
+            <a:prstDash val="solid"/>
+          </a:ln>
+        </p:spPr>
+        <p:style>
+          <a:lnRef idx="2">
+            <a:schemeClr val="accent1"/>
+          </a:lnRef>
+          <a:fillRef idx="1">
+            <a:schemeClr val="accent1"/>
+          </a:fillRef>
+          <a:effectRef idx="0">
+            <a:schemeClr val="accent1"/>
+          </a:effectRef>
+          <a:fontRef idx="minor">
+            <a:schemeClr val="lt1"/>
+          </a:fontRef>
+        </p:style>
+        <p:txBody>
+          <a:bodyPr lIns="501612" tIns="250806" rIns="501612" bIns="250806" rtlCol="0" anchor="ctr"/>
+          <a:lstStyle/>
+          <a:p>
+            <a:pPr algn="ctr" eaLnBrk="1" latinLnBrk="0" hangingPunct="1"/>
+            <a:endParaRPr kumimoji="0" lang="en-US"/>
+          </a:p>
+        </p:txBody>
+      </p:sp>
+      <p:sp useBgFill="1">
+        <p:nvSpPr>
+          <p:cNvPr id="10" name="Rounded Rectangle 9"/>
+          <p:cNvSpPr/>
+          <p:nvPr/>
+        </p:nvSpPr>
+        <p:spPr>
+          <a:xfrm>
+            <a:off x="261252" y="520841"/>
+            <a:ext cx="36053488" cy="49968434"/>
+          </a:xfrm>
+          <a:prstGeom prst="roundRect">
+            <a:avLst>
+              <a:gd name="adj" fmla="val 4929"/>
+            </a:avLst>
+          </a:prstGeom>
+          <a:ln w="6350" cap="sq" cmpd="sng" algn="ctr">
+            <a:solidFill>
+              <a:schemeClr val="tx1">
+                <a:alpha val="100000"/>
+              </a:schemeClr>
+            </a:solidFill>
+            <a:prstDash val="solid"/>
+          </a:ln>
+          <a:effectLst/>
+        </p:spPr>
+        <p:style>
+          <a:lnRef idx="3">
+            <a:schemeClr val="lt1"/>
+          </a:lnRef>
+          <a:fillRef idx="1003">
+            <a:schemeClr val="lt1"/>
+          </a:fillRef>
+          <a:effectRef idx="1">
+            <a:schemeClr val="accent1"/>
+          </a:effectRef>
+          <a:fontRef idx="minor">
+            <a:schemeClr val="lt1"/>
+          </a:fontRef>
+        </p:style>
+        <p:txBody>
+          <a:bodyPr lIns="501612" tIns="250806" rIns="501612" bIns="250806" anchor="ctr"/>
+          <a:lstStyle/>
+          <a:p>
+            <a:pPr algn="ctr" eaLnBrk="1" latinLnBrk="0" hangingPunct="1"/>
+            <a:endParaRPr kumimoji="0" lang="en-US"/>
+          </a:p>
+        </p:txBody>
+      </p:sp>
+      <p:sp>
+        <p:nvSpPr>
           <p:cNvPr id="2" name="Title 1"/>
           <p:cNvSpPr>
             <a:spLocks noGrp="1"/>
@@ -1974,23 +2269,24 @@
         </p:nvSpPr>
         <p:spPr>
           <a:xfrm>
-            <a:off x="2889252" y="32904857"/>
+            <a:off x="2889252" y="7112004"/>
             <a:ext cx="31089600" cy="10170160"/>
           </a:xfrm>
         </p:spPr>
         <p:txBody>
-          <a:bodyPr anchor="t"/>
+          <a:bodyPr anchor="b" anchorCtr="0"/>
           <a:lstStyle>
             <a:lvl1pPr algn="l">
-              <a:defRPr sz="21900" b="1" cap="all"/>
+              <a:buNone/>
+              <a:defRPr sz="21900" b="0" cap="none"/>
             </a:lvl1pPr>
           </a:lstStyle>
           <a:p>
             <a:r>
-              <a:rPr lang="en-US" smtClean="0"/>
+              <a:rPr kumimoji="0" lang="en-US" smtClean="0"/>
               <a:t>Click to edit Master title style</a:t>
             </a:r>
-            <a:endParaRPr lang="en-GB"/>
+            <a:endParaRPr kumimoji="0" lang="en-US"/>
           </a:p>
         </p:txBody>
       </p:sp>
@@ -2006,16 +2302,16 @@
         </p:nvSpPr>
         <p:spPr>
           <a:xfrm>
-            <a:off x="2889252" y="21703468"/>
-            <a:ext cx="31089600" cy="11201396"/>
-          </a:xfrm>
-        </p:spPr>
-        <p:txBody>
-          <a:bodyPr anchor="b"/>
+            <a:off x="2889252" y="19024604"/>
+            <a:ext cx="31089600" cy="9992356"/>
+          </a:xfrm>
+        </p:spPr>
+        <p:txBody>
+          <a:bodyPr anchor="t" anchorCtr="0"/>
           <a:lstStyle>
             <a:lvl1pPr marL="0" indent="0">
               <a:buNone/>
-              <a:defRPr sz="11000">
+              <a:defRPr sz="13200">
                 <a:solidFill>
                   <a:schemeClr val="tx1">
                     <a:tint val="75000"/>
@@ -2023,7 +2319,7 @@
                 </a:solidFill>
               </a:defRPr>
             </a:lvl1pPr>
-            <a:lvl2pPr marL="2505528" indent="0">
+            <a:lvl2pPr>
               <a:buNone/>
               <a:defRPr sz="9900">
                 <a:solidFill>
@@ -2033,7 +2329,7 @@
                 </a:solidFill>
               </a:defRPr>
             </a:lvl2pPr>
-            <a:lvl3pPr marL="5011055" indent="0">
+            <a:lvl3pPr>
               <a:buNone/>
               <a:defRPr sz="8800">
                 <a:solidFill>
@@ -2043,7 +2339,7 @@
                 </a:solidFill>
               </a:defRPr>
             </a:lvl3pPr>
-            <a:lvl4pPr marL="7516583" indent="0">
+            <a:lvl4pPr>
               <a:buNone/>
               <a:defRPr sz="7700">
                 <a:solidFill>
@@ -2053,7 +2349,7 @@
                 </a:solidFill>
               </a:defRPr>
             </a:lvl4pPr>
-            <a:lvl5pPr marL="10022111" indent="0">
+            <a:lvl5pPr>
               <a:buNone/>
               <a:defRPr sz="7700">
                 <a:solidFill>
@@ -2063,51 +2359,11 @@
                 </a:solidFill>
               </a:defRPr>
             </a:lvl5pPr>
-            <a:lvl6pPr marL="12527633" indent="0">
-              <a:buNone/>
-              <a:defRPr sz="7700">
-                <a:solidFill>
-                  <a:schemeClr val="tx1">
-                    <a:tint val="75000"/>
-                  </a:schemeClr>
-                </a:solidFill>
-              </a:defRPr>
-            </a:lvl6pPr>
-            <a:lvl7pPr marL="15033160" indent="0">
-              <a:buNone/>
-              <a:defRPr sz="7700">
-                <a:solidFill>
-                  <a:schemeClr val="tx1">
-                    <a:tint val="75000"/>
-                  </a:schemeClr>
-                </a:solidFill>
-              </a:defRPr>
-            </a:lvl7pPr>
-            <a:lvl8pPr marL="17538688" indent="0">
-              <a:buNone/>
-              <a:defRPr sz="7700">
-                <a:solidFill>
-                  <a:schemeClr val="tx1">
-                    <a:tint val="75000"/>
-                  </a:schemeClr>
-                </a:solidFill>
-              </a:defRPr>
-            </a:lvl8pPr>
-            <a:lvl9pPr marL="20044216" indent="0">
-              <a:buNone/>
-              <a:defRPr sz="7700">
-                <a:solidFill>
-                  <a:schemeClr val="tx1">
-                    <a:tint val="75000"/>
-                  </a:schemeClr>
-                </a:solidFill>
-              </a:defRPr>
-            </a:lvl9pPr>
           </a:lstStyle>
           <a:p>
-            <a:pPr lvl="0"/>
-            <a:r>
-              <a:rPr lang="en-US" smtClean="0"/>
+            <a:pPr lvl="0" eaLnBrk="1" latinLnBrk="0" hangingPunct="1"/>
+            <a:r>
+              <a:rPr kumimoji="0" lang="en-US" smtClean="0"/>
               <a:t>Click to edit Master text styles</a:t>
             </a:r>
           </a:p>
@@ -2142,7 +2398,12 @@
             <p:ph type="ftr" sz="quarter" idx="11"/>
           </p:nvPr>
         </p:nvSpPr>
-        <p:spPr/>
+        <p:spPr>
+          <a:xfrm>
+            <a:off x="3200400" y="46085760"/>
+            <a:ext cx="16002000" cy="3413760"/>
+          </a:xfrm>
+        </p:spPr>
         <p:txBody>
           <a:bodyPr/>
           <a:lstStyle/>
@@ -2153,6 +2414,148 @@
       </p:sp>
       <p:sp>
         <p:nvSpPr>
+          <p:cNvPr id="7" name="Rectangle 6"/>
+          <p:cNvSpPr/>
+          <p:nvPr/>
+        </p:nvSpPr>
+        <p:spPr>
+          <a:xfrm flipV="1">
+            <a:off x="277650" y="17746997"/>
+            <a:ext cx="36054060" cy="682752"/>
+          </a:xfrm>
+          <a:prstGeom prst="rect">
+            <a:avLst/>
+          </a:prstGeom>
+          <a:solidFill>
+            <a:schemeClr val="accent1">
+              <a:alpha val="100000"/>
+            </a:schemeClr>
+          </a:solidFill>
+          <a:ln w="19050" cap="sq" cmpd="sng" algn="ctr">
+            <a:noFill/>
+            <a:prstDash val="solid"/>
+          </a:ln>
+          <a:effectLst/>
+        </p:spPr>
+        <p:style>
+          <a:lnRef idx="3">
+            <a:schemeClr val="lt1"/>
+          </a:lnRef>
+          <a:fillRef idx="1">
+            <a:schemeClr val="accent1"/>
+          </a:fillRef>
+          <a:effectRef idx="1">
+            <a:schemeClr val="accent1"/>
+          </a:effectRef>
+          <a:fontRef idx="minor">
+            <a:schemeClr val="lt1"/>
+          </a:fontRef>
+        </p:style>
+        <p:txBody>
+          <a:bodyPr lIns="501612" tIns="250806" rIns="501612" bIns="250806" anchor="ctr"/>
+          <a:lstStyle/>
+          <a:p>
+            <a:pPr algn="ctr" eaLnBrk="1" latinLnBrk="0" hangingPunct="1"/>
+            <a:endParaRPr kumimoji="0" lang="en-US"/>
+          </a:p>
+        </p:txBody>
+      </p:sp>
+      <p:sp>
+        <p:nvSpPr>
+          <p:cNvPr id="8" name="Rectangle 7"/>
+          <p:cNvSpPr/>
+          <p:nvPr/>
+        </p:nvSpPr>
+        <p:spPr>
+          <a:xfrm>
+            <a:off x="276586" y="17483017"/>
+            <a:ext cx="36055124" cy="341369"/>
+          </a:xfrm>
+          <a:prstGeom prst="rect">
+            <a:avLst/>
+          </a:prstGeom>
+          <a:solidFill>
+            <a:schemeClr val="accent1">
+              <a:tint val="60000"/>
+            </a:schemeClr>
+          </a:solidFill>
+          <a:ln w="19050" cap="sq" cmpd="sng" algn="ctr">
+            <a:noFill/>
+            <a:prstDash val="solid"/>
+          </a:ln>
+          <a:effectLst/>
+        </p:spPr>
+        <p:style>
+          <a:lnRef idx="3">
+            <a:schemeClr val="lt1"/>
+          </a:lnRef>
+          <a:fillRef idx="1">
+            <a:schemeClr val="accent1"/>
+          </a:fillRef>
+          <a:effectRef idx="1">
+            <a:schemeClr val="accent1"/>
+          </a:effectRef>
+          <a:fontRef idx="minor">
+            <a:schemeClr val="lt1"/>
+          </a:fontRef>
+        </p:style>
+        <p:txBody>
+          <a:bodyPr lIns="501612" tIns="250806" rIns="501612" bIns="250806" anchor="ctr"/>
+          <a:lstStyle/>
+          <a:p>
+            <a:pPr algn="ctr" eaLnBrk="1" latinLnBrk="0" hangingPunct="1"/>
+            <a:endParaRPr kumimoji="0" lang="en-US"/>
+          </a:p>
+        </p:txBody>
+      </p:sp>
+      <p:sp>
+        <p:nvSpPr>
+          <p:cNvPr id="9" name="Rectangle 8"/>
+          <p:cNvSpPr/>
+          <p:nvPr/>
+        </p:nvSpPr>
+        <p:spPr>
+          <a:xfrm>
+            <a:off x="273226" y="18434304"/>
+            <a:ext cx="36058484" cy="341376"/>
+          </a:xfrm>
+          <a:prstGeom prst="rect">
+            <a:avLst/>
+          </a:prstGeom>
+          <a:solidFill>
+            <a:schemeClr val="accent5"/>
+          </a:solidFill>
+          <a:ln w="19050" cap="sq" cmpd="sng" algn="ctr">
+            <a:noFill/>
+            <a:prstDash val="solid"/>
+          </a:ln>
+          <a:effectLst/>
+        </p:spPr>
+        <p:style>
+          <a:lnRef idx="3">
+            <a:schemeClr val="lt1"/>
+          </a:lnRef>
+          <a:fillRef idx="1">
+            <a:schemeClr val="accent1"/>
+          </a:fillRef>
+          <a:effectRef idx="1">
+            <a:schemeClr val="accent1"/>
+          </a:effectRef>
+          <a:fontRef idx="minor">
+            <a:schemeClr val="lt1"/>
+          </a:fontRef>
+        </p:style>
+        <p:txBody>
+          <a:bodyPr lIns="501612" tIns="250806" rIns="501612" bIns="250806" anchor="ctr"/>
+          <a:lstStyle/>
+          <a:p>
+            <a:pPr algn="ctr" eaLnBrk="1" latinLnBrk="0" hangingPunct="1"/>
+            <a:endParaRPr kumimoji="0" lang="en-US"/>
+          </a:p>
+        </p:txBody>
+      </p:sp>
+      <p:sp>
+        <p:nvSpPr>
           <p:cNvPr id="6" name="Slide Number Placeholder 5"/>
           <p:cNvSpPr>
             <a:spLocks noGrp="1"/>
@@ -2161,7 +2564,12 @@
             <p:ph type="sldNum" sz="quarter" idx="12"/>
           </p:nvPr>
         </p:nvSpPr>
-        <p:spPr/>
+        <p:spPr>
+          <a:xfrm>
+            <a:off x="585216" y="46358861"/>
+            <a:ext cx="1828800" cy="3413760"/>
+          </a:xfrm>
+        </p:spPr>
         <p:txBody>
           <a:bodyPr/>
           <a:lstStyle/>
@@ -2176,14 +2584,9 @@
         </p:txBody>
       </p:sp>
     </p:spTree>
-    <p:extLst>
-      <p:ext uri="{BB962C8B-B14F-4D97-AF65-F5344CB8AC3E}">
-        <p14:creationId xmlns:p14="http://schemas.microsoft.com/office/powerpoint/2010/main" val="3209380530"/>
-      </p:ext>
-    </p:extLst>
   </p:cSld>
   <p:clrMapOvr>
-    <a:masterClrMapping/>
+    <a:overrideClrMapping bg1="lt1" tx1="dk1" bg2="lt2" tx2="dk2" accent1="accent1" accent2="accent2" accent3="accent3" accent4="accent4" accent5="accent5" accent6="accent6" hlink="hlink" folHlink="folHlink"/>
   </p:clrMapOvr>
 </p:sldLayout>
 </file>
@@ -2221,180 +2624,10 @@
           <a:lstStyle/>
           <a:p>
             <a:r>
-              <a:rPr lang="en-US" smtClean="0"/>
+              <a:rPr kumimoji="0" lang="en-US" smtClean="0"/>
               <a:t>Click to edit Master title style</a:t>
             </a:r>
-            <a:endParaRPr lang="en-GB"/>
-          </a:p>
-        </p:txBody>
-      </p:sp>
-      <p:sp>
-        <p:nvSpPr>
-          <p:cNvPr id="3" name="Content Placeholder 2"/>
-          <p:cNvSpPr>
-            <a:spLocks noGrp="1"/>
-          </p:cNvSpPr>
-          <p:nvPr>
-            <p:ph sz="half" idx="1"/>
-          </p:nvPr>
-        </p:nvSpPr>
-        <p:spPr>
-          <a:xfrm>
-            <a:off x="7315200" y="89208187"/>
-            <a:ext cx="65532000" cy="252333760"/>
-          </a:xfrm>
-        </p:spPr>
-        <p:txBody>
-          <a:bodyPr/>
-          <a:lstStyle>
-            <a:lvl1pPr>
-              <a:defRPr sz="15400"/>
-            </a:lvl1pPr>
-            <a:lvl2pPr>
-              <a:defRPr sz="13200"/>
-            </a:lvl2pPr>
-            <a:lvl3pPr>
-              <a:defRPr sz="11000"/>
-            </a:lvl3pPr>
-            <a:lvl4pPr>
-              <a:defRPr sz="9900"/>
-            </a:lvl4pPr>
-            <a:lvl5pPr>
-              <a:defRPr sz="9900"/>
-            </a:lvl5pPr>
-            <a:lvl6pPr>
-              <a:defRPr sz="9900"/>
-            </a:lvl6pPr>
-            <a:lvl7pPr>
-              <a:defRPr sz="9900"/>
-            </a:lvl7pPr>
-            <a:lvl8pPr>
-              <a:defRPr sz="9900"/>
-            </a:lvl8pPr>
-            <a:lvl9pPr>
-              <a:defRPr sz="9900"/>
-            </a:lvl9pPr>
-          </a:lstStyle>
-          <a:p>
-            <a:pPr lvl="0"/>
-            <a:r>
-              <a:rPr lang="en-US" smtClean="0"/>
-              <a:t>Click to edit Master text styles</a:t>
-            </a:r>
-          </a:p>
-          <a:p>
-            <a:pPr lvl="1"/>
-            <a:r>
-              <a:rPr lang="en-US" smtClean="0"/>
-              <a:t>Second level</a:t>
-            </a:r>
-          </a:p>
-          <a:p>
-            <a:pPr lvl="2"/>
-            <a:r>
-              <a:rPr lang="en-US" smtClean="0"/>
-              <a:t>Third level</a:t>
-            </a:r>
-          </a:p>
-          <a:p>
-            <a:pPr lvl="3"/>
-            <a:r>
-              <a:rPr lang="en-US" smtClean="0"/>
-              <a:t>Fourth level</a:t>
-            </a:r>
-          </a:p>
-          <a:p>
-            <a:pPr lvl="4"/>
-            <a:r>
-              <a:rPr lang="en-US" smtClean="0"/>
-              <a:t>Fifth level</a:t>
-            </a:r>
-            <a:endParaRPr lang="en-GB"/>
-          </a:p>
-        </p:txBody>
-      </p:sp>
-      <p:sp>
-        <p:nvSpPr>
-          <p:cNvPr id="4" name="Content Placeholder 3"/>
-          <p:cNvSpPr>
-            <a:spLocks noGrp="1"/>
-          </p:cNvSpPr>
-          <p:nvPr>
-            <p:ph sz="half" idx="2"/>
-          </p:nvPr>
-        </p:nvSpPr>
-        <p:spPr>
-          <a:xfrm>
-            <a:off x="73456800" y="89208187"/>
-            <a:ext cx="65532000" cy="252333760"/>
-          </a:xfrm>
-        </p:spPr>
-        <p:txBody>
-          <a:bodyPr/>
-          <a:lstStyle>
-            <a:lvl1pPr>
-              <a:defRPr sz="15400"/>
-            </a:lvl1pPr>
-            <a:lvl2pPr>
-              <a:defRPr sz="13200"/>
-            </a:lvl2pPr>
-            <a:lvl3pPr>
-              <a:defRPr sz="11000"/>
-            </a:lvl3pPr>
-            <a:lvl4pPr>
-              <a:defRPr sz="9900"/>
-            </a:lvl4pPr>
-            <a:lvl5pPr>
-              <a:defRPr sz="9900"/>
-            </a:lvl5pPr>
-            <a:lvl6pPr>
-              <a:defRPr sz="9900"/>
-            </a:lvl6pPr>
-            <a:lvl7pPr>
-              <a:defRPr sz="9900"/>
-            </a:lvl7pPr>
-            <a:lvl8pPr>
-              <a:defRPr sz="9900"/>
-            </a:lvl8pPr>
-            <a:lvl9pPr>
-              <a:defRPr sz="9900"/>
-            </a:lvl9pPr>
-          </a:lstStyle>
-          <a:p>
-            <a:pPr lvl="0"/>
-            <a:r>
-              <a:rPr lang="en-US" smtClean="0"/>
-              <a:t>Click to edit Master text styles</a:t>
-            </a:r>
-          </a:p>
-          <a:p>
-            <a:pPr lvl="1"/>
-            <a:r>
-              <a:rPr lang="en-US" smtClean="0"/>
-              <a:t>Second level</a:t>
-            </a:r>
-          </a:p>
-          <a:p>
-            <a:pPr lvl="2"/>
-            <a:r>
-              <a:rPr lang="en-US" smtClean="0"/>
-              <a:t>Third level</a:t>
-            </a:r>
-          </a:p>
-          <a:p>
-            <a:pPr lvl="3"/>
-            <a:r>
-              <a:rPr lang="en-US" smtClean="0"/>
-              <a:t>Fourth level</a:t>
-            </a:r>
-          </a:p>
-          <a:p>
-            <a:pPr lvl="4"/>
-            <a:r>
-              <a:rPr lang="en-US" smtClean="0"/>
-              <a:t>Fifth level</a:t>
-            </a:r>
-            <a:endParaRPr lang="en-GB"/>
+            <a:endParaRPr kumimoji="0" lang="en-US"/>
           </a:p>
         </p:txBody>
       </p:sp>
@@ -2460,12 +2693,121 @@
           </a:p>
         </p:txBody>
       </p:sp>
+      <p:sp>
+        <p:nvSpPr>
+          <p:cNvPr id="9" name="Content Placeholder 8"/>
+          <p:cNvSpPr>
+            <a:spLocks noGrp="1"/>
+          </p:cNvSpPr>
+          <p:nvPr>
+            <p:ph sz="quarter" idx="1"/>
+          </p:nvPr>
+        </p:nvSpPr>
+        <p:spPr>
+          <a:xfrm>
+            <a:off x="3657600" y="10810240"/>
+            <a:ext cx="14996160" cy="34137600"/>
+          </a:xfrm>
+        </p:spPr>
+        <p:txBody>
+          <a:bodyPr vert="horz"/>
+          <a:lstStyle/>
+          <a:p>
+            <a:pPr lvl="0" eaLnBrk="1" latinLnBrk="0" hangingPunct="1"/>
+            <a:r>
+              <a:rPr lang="en-US" smtClean="0"/>
+              <a:t>Click to edit Master text styles</a:t>
+            </a:r>
+          </a:p>
+          <a:p>
+            <a:pPr lvl="1" eaLnBrk="1" latinLnBrk="0" hangingPunct="1"/>
+            <a:r>
+              <a:rPr lang="en-US" smtClean="0"/>
+              <a:t>Second level</a:t>
+            </a:r>
+          </a:p>
+          <a:p>
+            <a:pPr lvl="2" eaLnBrk="1" latinLnBrk="0" hangingPunct="1"/>
+            <a:r>
+              <a:rPr lang="en-US" smtClean="0"/>
+              <a:t>Third level</a:t>
+            </a:r>
+          </a:p>
+          <a:p>
+            <a:pPr lvl="3" eaLnBrk="1" latinLnBrk="0" hangingPunct="1"/>
+            <a:r>
+              <a:rPr lang="en-US" smtClean="0"/>
+              <a:t>Fourth level</a:t>
+            </a:r>
+          </a:p>
+          <a:p>
+            <a:pPr lvl="4" eaLnBrk="1" latinLnBrk="0" hangingPunct="1"/>
+            <a:r>
+              <a:rPr lang="en-US" smtClean="0"/>
+              <a:t>Fifth level</a:t>
+            </a:r>
+            <a:endParaRPr kumimoji="0" lang="en-US"/>
+          </a:p>
+        </p:txBody>
+      </p:sp>
+      <p:sp>
+        <p:nvSpPr>
+          <p:cNvPr id="11" name="Content Placeholder 10"/>
+          <p:cNvSpPr>
+            <a:spLocks noGrp="1"/>
+          </p:cNvSpPr>
+          <p:nvPr>
+            <p:ph sz="quarter" idx="2"/>
+          </p:nvPr>
+        </p:nvSpPr>
+        <p:spPr>
+          <a:xfrm>
+            <a:off x="19735800" y="10810240"/>
+            <a:ext cx="14996160" cy="34137600"/>
+          </a:xfrm>
+        </p:spPr>
+        <p:txBody>
+          <a:bodyPr vert="horz"/>
+          <a:lstStyle/>
+          <a:p>
+            <a:pPr lvl="0" eaLnBrk="1" latinLnBrk="0" hangingPunct="1"/>
+            <a:r>
+              <a:rPr lang="en-US" smtClean="0"/>
+              <a:t>Click to edit Master text styles</a:t>
+            </a:r>
+          </a:p>
+          <a:p>
+            <a:pPr lvl="1" eaLnBrk="1" latinLnBrk="0" hangingPunct="1"/>
+            <a:r>
+              <a:rPr lang="en-US" smtClean="0"/>
+              <a:t>Second level</a:t>
+            </a:r>
+          </a:p>
+          <a:p>
+            <a:pPr lvl="2" eaLnBrk="1" latinLnBrk="0" hangingPunct="1"/>
+            <a:r>
+              <a:rPr lang="en-US" smtClean="0"/>
+              <a:t>Third level</a:t>
+            </a:r>
+          </a:p>
+          <a:p>
+            <a:pPr lvl="3" eaLnBrk="1" latinLnBrk="0" hangingPunct="1"/>
+            <a:r>
+              <a:rPr lang="en-US" smtClean="0"/>
+              <a:t>Fourth level</a:t>
+            </a:r>
+          </a:p>
+          <a:p>
+            <a:pPr lvl="4" eaLnBrk="1" latinLnBrk="0" hangingPunct="1"/>
+            <a:r>
+              <a:rPr lang="en-US" smtClean="0"/>
+              <a:t>Fifth level</a:t>
+            </a:r>
+            <a:endParaRPr kumimoji="0" lang="en-US"/>
+          </a:p>
+        </p:txBody>
+      </p:sp>
     </p:spTree>
-    <p:extLst>
-      <p:ext uri="{BB962C8B-B14F-4D97-AF65-F5344CB8AC3E}">
-        <p14:creationId xmlns:p14="http://schemas.microsoft.com/office/powerpoint/2010/main" val="1850601041"/>
-      </p:ext>
-    </p:extLst>
   </p:cSld>
   <p:clrMapOvr>
     <a:masterClrMapping/>
@@ -2502,12 +2844,12 @@
         </p:nvSpPr>
         <p:spPr>
           <a:xfrm>
-            <a:off x="1828800" y="2050630"/>
-            <a:ext cx="32918400" cy="8534400"/>
-          </a:xfrm>
-        </p:spPr>
-        <p:txBody>
-          <a:bodyPr/>
+            <a:off x="3657600" y="2038773"/>
+            <a:ext cx="31089600" cy="8534400"/>
+          </a:xfrm>
+        </p:spPr>
+        <p:txBody>
+          <a:bodyPr anchor="b" anchorCtr="0"/>
           <a:lstStyle>
             <a:lvl1pPr>
               <a:defRPr/>
@@ -2515,10 +2857,10 @@
           </a:lstStyle>
           <a:p>
             <a:r>
-              <a:rPr lang="en-US" smtClean="0"/>
+              <a:rPr kumimoji="0" lang="en-US" smtClean="0"/>
               <a:t>Click to edit Master title style</a:t>
             </a:r>
-            <a:endParaRPr lang="en-GB"/>
+            <a:endParaRPr kumimoji="0" lang="en-US"/>
           </a:p>
         </p:txBody>
       </p:sp>
@@ -2534,54 +2876,52 @@
         </p:nvSpPr>
         <p:spPr>
           <a:xfrm>
-            <a:off x="1828800" y="11462177"/>
-            <a:ext cx="16160752" cy="4776890"/>
-          </a:xfrm>
-        </p:spPr>
-        <p:txBody>
-          <a:bodyPr anchor="b"/>
+            <a:off x="3657600" y="10810240"/>
+            <a:ext cx="14935200" cy="5689600"/>
+          </a:xfrm>
+          <a:noFill/>
+          <a:ln w="12700" cap="sq" cmpd="sng" algn="ctr">
+            <a:noFill/>
+            <a:prstDash val="solid"/>
+          </a:ln>
+        </p:spPr>
+        <p:txBody>
+          <a:bodyPr lIns="501612" anchor="b" anchorCtr="0">
+            <a:noAutofit/>
+          </a:bodyPr>
           <a:lstStyle>
             <a:lvl1pPr marL="0" indent="0">
               <a:buNone/>
-              <a:defRPr sz="13200" b="1"/>
+              <a:defRPr sz="13200" b="1">
+                <a:solidFill>
+                  <a:schemeClr val="accent1"/>
+                </a:solidFill>
+                <a:latin typeface="+mj-lt"/>
+                <a:ea typeface="+mj-ea"/>
+                <a:cs typeface="+mj-cs"/>
+              </a:defRPr>
             </a:lvl1pPr>
-            <a:lvl2pPr marL="2505528" indent="0">
+            <a:lvl2pPr>
               <a:buNone/>
               <a:defRPr sz="11000" b="1"/>
             </a:lvl2pPr>
-            <a:lvl3pPr marL="5011055" indent="0">
+            <a:lvl3pPr>
               <a:buNone/>
               <a:defRPr sz="9900" b="1"/>
             </a:lvl3pPr>
-            <a:lvl4pPr marL="7516583" indent="0">
+            <a:lvl4pPr>
               <a:buNone/>
               <a:defRPr sz="8800" b="1"/>
             </a:lvl4pPr>
-            <a:lvl5pPr marL="10022111" indent="0">
+            <a:lvl5pPr>
               <a:buNone/>
               <a:defRPr sz="8800" b="1"/>
             </a:lvl5pPr>
-            <a:lvl6pPr marL="12527633" indent="0">
-              <a:buNone/>
-              <a:defRPr sz="8800" b="1"/>
-            </a:lvl6pPr>
-            <a:lvl7pPr marL="15033160" indent="0">
-              <a:buNone/>
-              <a:defRPr sz="8800" b="1"/>
-            </a:lvl7pPr>
-            <a:lvl8pPr marL="17538688" indent="0">
-              <a:buNone/>
-              <a:defRPr sz="8800" b="1"/>
-            </a:lvl8pPr>
-            <a:lvl9pPr marL="20044216" indent="0">
-              <a:buNone/>
-              <a:defRPr sz="8800" b="1"/>
-            </a:lvl9pPr>
           </a:lstStyle>
           <a:p>
-            <a:pPr lvl="0"/>
-            <a:r>
-              <a:rPr lang="en-US" smtClean="0"/>
+            <a:pPr lvl="0" eaLnBrk="1" latinLnBrk="0" hangingPunct="1"/>
+            <a:r>
+              <a:rPr kumimoji="0" lang="en-US" smtClean="0"/>
               <a:t>Click to edit Master text styles</a:t>
             </a:r>
           </a:p>
@@ -2589,236 +2929,64 @@
       </p:sp>
       <p:sp>
         <p:nvSpPr>
-          <p:cNvPr id="4" name="Content Placeholder 3"/>
-          <p:cNvSpPr>
-            <a:spLocks noGrp="1"/>
-          </p:cNvSpPr>
-          <p:nvPr>
-            <p:ph sz="half" idx="2"/>
+          <p:cNvPr id="4" name="Text Placeholder 3"/>
+          <p:cNvSpPr>
+            <a:spLocks noGrp="1"/>
+          </p:cNvSpPr>
+          <p:nvPr>
+            <p:ph type="body" sz="half" idx="3"/>
           </p:nvPr>
         </p:nvSpPr>
         <p:spPr>
           <a:xfrm>
-            <a:off x="1828800" y="16239067"/>
-            <a:ext cx="16160752" cy="29502950"/>
-          </a:xfrm>
-        </p:spPr>
-        <p:txBody>
-          <a:bodyPr/>
+            <a:off x="19812000" y="10810240"/>
+            <a:ext cx="14935200" cy="5689600"/>
+          </a:xfrm>
+          <a:noFill/>
+          <a:ln w="12700" cap="sq" cmpd="sng" algn="ctr">
+            <a:noFill/>
+            <a:prstDash val="solid"/>
+          </a:ln>
+        </p:spPr>
+        <p:txBody>
+          <a:bodyPr lIns="501612" anchor="b" anchorCtr="0">
+            <a:noAutofit/>
+          </a:bodyPr>
           <a:lstStyle>
-            <a:lvl1pPr>
-              <a:defRPr sz="13200"/>
+            <a:lvl1pPr marL="0" indent="0">
+              <a:buNone/>
+              <a:defRPr sz="13200" b="1">
+                <a:solidFill>
+                  <a:schemeClr val="accent1"/>
+                </a:solidFill>
+                <a:latin typeface="+mj-lt"/>
+                <a:ea typeface="+mj-ea"/>
+                <a:cs typeface="+mj-cs"/>
+              </a:defRPr>
             </a:lvl1pPr>
             <a:lvl2pPr>
-              <a:defRPr sz="11000"/>
+              <a:buNone/>
+              <a:defRPr sz="11000" b="1"/>
             </a:lvl2pPr>
             <a:lvl3pPr>
-              <a:defRPr sz="9900"/>
+              <a:buNone/>
+              <a:defRPr sz="9900" b="1"/>
             </a:lvl3pPr>
             <a:lvl4pPr>
-              <a:defRPr sz="8800"/>
+              <a:buNone/>
+              <a:defRPr sz="8800" b="1"/>
             </a:lvl4pPr>
             <a:lvl5pPr>
-              <a:defRPr sz="8800"/>
-            </a:lvl5pPr>
-            <a:lvl6pPr>
-              <a:defRPr sz="8800"/>
-            </a:lvl6pPr>
-            <a:lvl7pPr>
-              <a:defRPr sz="8800"/>
-            </a:lvl7pPr>
-            <a:lvl8pPr>
-              <a:defRPr sz="8800"/>
-            </a:lvl8pPr>
-            <a:lvl9pPr>
-              <a:defRPr sz="8800"/>
-            </a:lvl9pPr>
-          </a:lstStyle>
-          <a:p>
-            <a:pPr lvl="0"/>
-            <a:r>
-              <a:rPr lang="en-US" smtClean="0"/>
-              <a:t>Click to edit Master text styles</a:t>
-            </a:r>
-          </a:p>
-          <a:p>
-            <a:pPr lvl="1"/>
-            <a:r>
-              <a:rPr lang="en-US" smtClean="0"/>
-              <a:t>Second level</a:t>
-            </a:r>
-          </a:p>
-          <a:p>
-            <a:pPr lvl="2"/>
-            <a:r>
-              <a:rPr lang="en-US" smtClean="0"/>
-              <a:t>Third level</a:t>
-            </a:r>
-          </a:p>
-          <a:p>
-            <a:pPr lvl="3"/>
-            <a:r>
-              <a:rPr lang="en-US" smtClean="0"/>
-              <a:t>Fourth level</a:t>
-            </a:r>
-          </a:p>
-          <a:p>
-            <a:pPr lvl="4"/>
-            <a:r>
-              <a:rPr lang="en-US" smtClean="0"/>
-              <a:t>Fifth level</a:t>
-            </a:r>
-            <a:endParaRPr lang="en-GB"/>
-          </a:p>
-        </p:txBody>
-      </p:sp>
-      <p:sp>
-        <p:nvSpPr>
-          <p:cNvPr id="5" name="Text Placeholder 4"/>
-          <p:cNvSpPr>
-            <a:spLocks noGrp="1"/>
-          </p:cNvSpPr>
-          <p:nvPr>
-            <p:ph type="body" sz="quarter" idx="3"/>
-          </p:nvPr>
-        </p:nvSpPr>
-        <p:spPr>
-          <a:xfrm>
-            <a:off x="18580110" y="11462177"/>
-            <a:ext cx="16167100" cy="4776890"/>
-          </a:xfrm>
-        </p:spPr>
-        <p:txBody>
-          <a:bodyPr anchor="b"/>
-          <a:lstStyle>
-            <a:lvl1pPr marL="0" indent="0">
-              <a:buNone/>
-              <a:defRPr sz="13200" b="1"/>
-            </a:lvl1pPr>
-            <a:lvl2pPr marL="2505528" indent="0">
-              <a:buNone/>
-              <a:defRPr sz="11000" b="1"/>
-            </a:lvl2pPr>
-            <a:lvl3pPr marL="5011055" indent="0">
-              <a:buNone/>
-              <a:defRPr sz="9900" b="1"/>
-            </a:lvl3pPr>
-            <a:lvl4pPr marL="7516583" indent="0">
-              <a:buNone/>
-              <a:defRPr sz="8800" b="1"/>
-            </a:lvl4pPr>
-            <a:lvl5pPr marL="10022111" indent="0">
               <a:buNone/>
               <a:defRPr sz="8800" b="1"/>
             </a:lvl5pPr>
-            <a:lvl6pPr marL="12527633" indent="0">
-              <a:buNone/>
-              <a:defRPr sz="8800" b="1"/>
-            </a:lvl6pPr>
-            <a:lvl7pPr marL="15033160" indent="0">
-              <a:buNone/>
-              <a:defRPr sz="8800" b="1"/>
-            </a:lvl7pPr>
-            <a:lvl8pPr marL="17538688" indent="0">
-              <a:buNone/>
-              <a:defRPr sz="8800" b="1"/>
-            </a:lvl8pPr>
-            <a:lvl9pPr marL="20044216" indent="0">
-              <a:buNone/>
-              <a:defRPr sz="8800" b="1"/>
-            </a:lvl9pPr>
           </a:lstStyle>
           <a:p>
-            <a:pPr lvl="0"/>
-            <a:r>
-              <a:rPr lang="en-US" smtClean="0"/>
+            <a:pPr lvl="0" eaLnBrk="1" latinLnBrk="0" hangingPunct="1"/>
+            <a:r>
+              <a:rPr kumimoji="0" lang="en-US" smtClean="0"/>
               <a:t>Click to edit Master text styles</a:t>
             </a:r>
-          </a:p>
-        </p:txBody>
-      </p:sp>
-      <p:sp>
-        <p:nvSpPr>
-          <p:cNvPr id="6" name="Content Placeholder 5"/>
-          <p:cNvSpPr>
-            <a:spLocks noGrp="1"/>
-          </p:cNvSpPr>
-          <p:nvPr>
-            <p:ph sz="quarter" idx="4"/>
-          </p:nvPr>
-        </p:nvSpPr>
-        <p:spPr>
-          <a:xfrm>
-            <a:off x="18580110" y="16239067"/>
-            <a:ext cx="16167100" cy="29502950"/>
-          </a:xfrm>
-        </p:spPr>
-        <p:txBody>
-          <a:bodyPr/>
-          <a:lstStyle>
-            <a:lvl1pPr>
-              <a:defRPr sz="13200"/>
-            </a:lvl1pPr>
-            <a:lvl2pPr>
-              <a:defRPr sz="11000"/>
-            </a:lvl2pPr>
-            <a:lvl3pPr>
-              <a:defRPr sz="9900"/>
-            </a:lvl3pPr>
-            <a:lvl4pPr>
-              <a:defRPr sz="8800"/>
-            </a:lvl4pPr>
-            <a:lvl5pPr>
-              <a:defRPr sz="8800"/>
-            </a:lvl5pPr>
-            <a:lvl6pPr>
-              <a:defRPr sz="8800"/>
-            </a:lvl6pPr>
-            <a:lvl7pPr>
-              <a:defRPr sz="8800"/>
-            </a:lvl7pPr>
-            <a:lvl8pPr>
-              <a:defRPr sz="8800"/>
-            </a:lvl8pPr>
-            <a:lvl9pPr>
-              <a:defRPr sz="8800"/>
-            </a:lvl9pPr>
-          </a:lstStyle>
-          <a:p>
-            <a:pPr lvl="0"/>
-            <a:r>
-              <a:rPr lang="en-US" smtClean="0"/>
-              <a:t>Click to edit Master text styles</a:t>
-            </a:r>
-          </a:p>
-          <a:p>
-            <a:pPr lvl="1"/>
-            <a:r>
-              <a:rPr lang="en-US" smtClean="0"/>
-              <a:t>Second level</a:t>
-            </a:r>
-          </a:p>
-          <a:p>
-            <a:pPr lvl="2"/>
-            <a:r>
-              <a:rPr lang="en-US" smtClean="0"/>
-              <a:t>Third level</a:t>
-            </a:r>
-          </a:p>
-          <a:p>
-            <a:pPr lvl="3"/>
-            <a:r>
-              <a:rPr lang="en-US" smtClean="0"/>
-              <a:t>Fourth level</a:t>
-            </a:r>
-          </a:p>
-          <a:p>
-            <a:pPr lvl="4"/>
-            <a:r>
-              <a:rPr lang="en-US" smtClean="0"/>
-              <a:t>Fifth level</a:t>
-            </a:r>
-            <a:endParaRPr lang="en-GB"/>
           </a:p>
         </p:txBody>
       </p:sp>
@@ -2884,12 +3052,121 @@
           </a:p>
         </p:txBody>
       </p:sp>
+      <p:sp>
+        <p:nvSpPr>
+          <p:cNvPr id="11" name="Content Placeholder 10"/>
+          <p:cNvSpPr>
+            <a:spLocks noGrp="1"/>
+          </p:cNvSpPr>
+          <p:nvPr>
+            <p:ph sz="half" idx="2"/>
+          </p:nvPr>
+        </p:nvSpPr>
+        <p:spPr>
+          <a:xfrm>
+            <a:off x="3657600" y="16784320"/>
+            <a:ext cx="14935200" cy="29016960"/>
+          </a:xfrm>
+        </p:spPr>
+        <p:txBody>
+          <a:bodyPr vert="horz"/>
+          <a:lstStyle/>
+          <a:p>
+            <a:pPr lvl="0" eaLnBrk="1" latinLnBrk="0" hangingPunct="1"/>
+            <a:r>
+              <a:rPr lang="en-US" smtClean="0"/>
+              <a:t>Click to edit Master text styles</a:t>
+            </a:r>
+          </a:p>
+          <a:p>
+            <a:pPr lvl="1" eaLnBrk="1" latinLnBrk="0" hangingPunct="1"/>
+            <a:r>
+              <a:rPr lang="en-US" smtClean="0"/>
+              <a:t>Second level</a:t>
+            </a:r>
+          </a:p>
+          <a:p>
+            <a:pPr lvl="2" eaLnBrk="1" latinLnBrk="0" hangingPunct="1"/>
+            <a:r>
+              <a:rPr lang="en-US" smtClean="0"/>
+              <a:t>Third level</a:t>
+            </a:r>
+          </a:p>
+          <a:p>
+            <a:pPr lvl="3" eaLnBrk="1" latinLnBrk="0" hangingPunct="1"/>
+            <a:r>
+              <a:rPr lang="en-US" smtClean="0"/>
+              <a:t>Fourth level</a:t>
+            </a:r>
+          </a:p>
+          <a:p>
+            <a:pPr lvl="4" eaLnBrk="1" latinLnBrk="0" hangingPunct="1"/>
+            <a:r>
+              <a:rPr lang="en-US" smtClean="0"/>
+              <a:t>Fifth level</a:t>
+            </a:r>
+            <a:endParaRPr kumimoji="0" lang="en-US"/>
+          </a:p>
+        </p:txBody>
+      </p:sp>
+      <p:sp>
+        <p:nvSpPr>
+          <p:cNvPr id="13" name="Content Placeholder 12"/>
+          <p:cNvSpPr>
+            <a:spLocks noGrp="1"/>
+          </p:cNvSpPr>
+          <p:nvPr>
+            <p:ph sz="half" idx="4"/>
+          </p:nvPr>
+        </p:nvSpPr>
+        <p:spPr>
+          <a:xfrm>
+            <a:off x="19812000" y="16784320"/>
+            <a:ext cx="14935200" cy="29016960"/>
+          </a:xfrm>
+        </p:spPr>
+        <p:txBody>
+          <a:bodyPr vert="horz"/>
+          <a:lstStyle/>
+          <a:p>
+            <a:pPr lvl="0" eaLnBrk="1" latinLnBrk="0" hangingPunct="1"/>
+            <a:r>
+              <a:rPr lang="en-US" smtClean="0"/>
+              <a:t>Click to edit Master text styles</a:t>
+            </a:r>
+          </a:p>
+          <a:p>
+            <a:pPr lvl="1" eaLnBrk="1" latinLnBrk="0" hangingPunct="1"/>
+            <a:r>
+              <a:rPr lang="en-US" smtClean="0"/>
+              <a:t>Second level</a:t>
+            </a:r>
+          </a:p>
+          <a:p>
+            <a:pPr lvl="2" eaLnBrk="1" latinLnBrk="0" hangingPunct="1"/>
+            <a:r>
+              <a:rPr lang="en-US" smtClean="0"/>
+              <a:t>Third level</a:t>
+            </a:r>
+          </a:p>
+          <a:p>
+            <a:pPr lvl="3" eaLnBrk="1" latinLnBrk="0" hangingPunct="1"/>
+            <a:r>
+              <a:rPr lang="en-US" smtClean="0"/>
+              <a:t>Fourth level</a:t>
+            </a:r>
+          </a:p>
+          <a:p>
+            <a:pPr lvl="4" eaLnBrk="1" latinLnBrk="0" hangingPunct="1"/>
+            <a:r>
+              <a:rPr lang="en-US" smtClean="0"/>
+              <a:t>Fifth level</a:t>
+            </a:r>
+            <a:endParaRPr kumimoji="0" lang="en-US"/>
+          </a:p>
+        </p:txBody>
+      </p:sp>
     </p:spTree>
-    <p:extLst>
-      <p:ext uri="{BB962C8B-B14F-4D97-AF65-F5344CB8AC3E}">
-        <p14:creationId xmlns:p14="http://schemas.microsoft.com/office/powerpoint/2010/main" val="1201198067"/>
-      </p:ext>
-    </p:extLst>
   </p:cSld>
   <p:clrMapOvr>
     <a:masterClrMapping/>
@@ -2930,10 +3207,10 @@
           <a:lstStyle/>
           <a:p>
             <a:r>
-              <a:rPr lang="en-US" smtClean="0"/>
+              <a:rPr kumimoji="0" lang="en-US" smtClean="0"/>
               <a:t>Click to edit Master title style</a:t>
             </a:r>
-            <a:endParaRPr lang="en-GB"/>
+            <a:endParaRPr kumimoji="0" lang="en-US"/>
           </a:p>
         </p:txBody>
       </p:sp>
@@ -3000,11 +3277,6 @@
         </p:txBody>
       </p:sp>
     </p:spTree>
-    <p:extLst>
-      <p:ext uri="{BB962C8B-B14F-4D97-AF65-F5344CB8AC3E}">
-        <p14:creationId xmlns:p14="http://schemas.microsoft.com/office/powerpoint/2010/main" val="2472550220"/>
-      </p:ext>
-    </p:extLst>
   </p:cSld>
   <p:clrMapOvr>
     <a:masterClrMapping/>
@@ -3092,11 +3364,6 @@
         </p:txBody>
       </p:sp>
     </p:spTree>
-    <p:extLst>
-      <p:ext uri="{BB962C8B-B14F-4D97-AF65-F5344CB8AC3E}">
-        <p14:creationId xmlns:p14="http://schemas.microsoft.com/office/powerpoint/2010/main" val="3569860205"/>
-      </p:ext>
-    </p:extLst>
   </p:cSld>
   <p:clrMapOvr>
     <a:masterClrMapping/>
@@ -3302,6 +3569,101 @@
       </p:grpSpPr>
       <p:sp>
         <p:nvSpPr>
+          <p:cNvPr id="8" name="Rectangle 7"/>
+          <p:cNvSpPr/>
+          <p:nvPr/>
+        </p:nvSpPr>
+        <p:spPr>
+          <a:xfrm>
+            <a:off x="0" y="0"/>
+            <a:ext cx="36576000" cy="51206400"/>
+          </a:xfrm>
+          <a:prstGeom prst="rect">
+            <a:avLst/>
+          </a:prstGeom>
+          <a:solidFill>
+            <a:srgbClr val="FFFFFF"/>
+          </a:solidFill>
+          <a:ln w="19050" cap="sq" cmpd="sng" algn="ctr">
+            <a:noFill/>
+            <a:prstDash val="solid"/>
+          </a:ln>
+          <a:effectLst/>
+        </p:spPr>
+        <p:style>
+          <a:lnRef idx="3">
+            <a:schemeClr val="lt1"/>
+          </a:lnRef>
+          <a:fillRef idx="1">
+            <a:schemeClr val="accent1"/>
+          </a:fillRef>
+          <a:effectRef idx="1">
+            <a:schemeClr val="accent1"/>
+          </a:effectRef>
+          <a:fontRef idx="minor">
+            <a:schemeClr val="lt1"/>
+          </a:fontRef>
+        </p:style>
+        <p:txBody>
+          <a:bodyPr lIns="501612" tIns="250806" rIns="501612" bIns="250806" anchor="ctr"/>
+          <a:lstStyle/>
+          <a:p>
+            <a:pPr algn="ctr" eaLnBrk="1" latinLnBrk="0" hangingPunct="1"/>
+            <a:endParaRPr kumimoji="0" lang="en-US"/>
+          </a:p>
+        </p:txBody>
+      </p:sp>
+      <p:sp useBgFill="1">
+        <p:nvSpPr>
+          <p:cNvPr id="9" name="Rounded Rectangle 8"/>
+          <p:cNvSpPr/>
+          <p:nvPr/>
+        </p:nvSpPr>
+        <p:spPr>
+          <a:xfrm>
+            <a:off x="256032" y="520838"/>
+            <a:ext cx="36053488" cy="49977446"/>
+          </a:xfrm>
+          <a:prstGeom prst="roundRect">
+            <a:avLst>
+              <a:gd name="adj" fmla="val 4929"/>
+            </a:avLst>
+          </a:prstGeom>
+          <a:ln w="6350" cap="sq" cmpd="sng" algn="ctr">
+            <a:solidFill>
+              <a:schemeClr val="tx1">
+                <a:alpha val="100000"/>
+              </a:schemeClr>
+            </a:solidFill>
+            <a:prstDash val="solid"/>
+          </a:ln>
+          <a:effectLst/>
+        </p:spPr>
+        <p:style>
+          <a:lnRef idx="3">
+            <a:schemeClr val="lt1"/>
+          </a:lnRef>
+          <a:fillRef idx="1001">
+            <a:schemeClr val="lt1"/>
+          </a:fillRef>
+          <a:effectRef idx="1">
+            <a:schemeClr val="accent1"/>
+          </a:effectRef>
+          <a:fontRef idx="minor">
+            <a:schemeClr val="lt1"/>
+          </a:fontRef>
+        </p:style>
+        <p:txBody>
+          <a:bodyPr lIns="501612" tIns="250806" rIns="501612" bIns="250806" anchor="ctr"/>
+          <a:lstStyle/>
+          <a:p>
+            <a:pPr algn="ctr" eaLnBrk="1" latinLnBrk="0" hangingPunct="1"/>
+            <a:endParaRPr kumimoji="0" lang="en-US"/>
+          </a:p>
+        </p:txBody>
+      </p:sp>
+      <p:sp>
+        <p:nvSpPr>
           <p:cNvPr id="2" name="Title 1"/>
           <p:cNvSpPr>
             <a:spLocks noGrp="1"/>
@@ -3312,125 +3674,41 @@
         </p:nvSpPr>
         <p:spPr>
           <a:xfrm>
-            <a:off x="1828810" y="2038773"/>
-            <a:ext cx="12033252" cy="8676640"/>
-          </a:xfrm>
-        </p:spPr>
-        <p:txBody>
-          <a:bodyPr anchor="b"/>
+            <a:off x="3657600" y="2038773"/>
+            <a:ext cx="31089600" cy="8534400"/>
+          </a:xfrm>
+        </p:spPr>
+        <p:txBody>
+          <a:bodyPr anchor="b" anchorCtr="0"/>
           <a:lstStyle>
             <a:lvl1pPr algn="l">
-              <a:defRPr sz="11000" b="1"/>
+              <a:buNone/>
+              <a:defRPr sz="21900" b="0"/>
             </a:lvl1pPr>
           </a:lstStyle>
           <a:p>
             <a:r>
-              <a:rPr lang="en-US" smtClean="0"/>
+              <a:rPr kumimoji="0" lang="en-US" smtClean="0"/>
               <a:t>Click to edit Master title style</a:t>
             </a:r>
-            <a:endParaRPr lang="en-GB"/>
-          </a:p>
-        </p:txBody>
-      </p:sp>
-      <p:sp>
-        <p:nvSpPr>
-          <p:cNvPr id="3" name="Content Placeholder 2"/>
-          <p:cNvSpPr>
-            <a:spLocks noGrp="1"/>
-          </p:cNvSpPr>
-          <p:nvPr>
-            <p:ph idx="1"/>
+            <a:endParaRPr kumimoji="0" lang="en-US"/>
+          </a:p>
+        </p:txBody>
+      </p:sp>
+      <p:sp>
+        <p:nvSpPr>
+          <p:cNvPr id="3" name="Text Placeholder 2"/>
+          <p:cNvSpPr>
+            <a:spLocks noGrp="1"/>
+          </p:cNvSpPr>
+          <p:nvPr>
+            <p:ph type="body" idx="2"/>
           </p:nvPr>
         </p:nvSpPr>
         <p:spPr>
           <a:xfrm>
-            <a:off x="14300200" y="2038784"/>
-            <a:ext cx="20447000" cy="43703244"/>
-          </a:xfrm>
-        </p:spPr>
-        <p:txBody>
-          <a:bodyPr/>
-          <a:lstStyle>
-            <a:lvl1pPr>
-              <a:defRPr sz="17600"/>
-            </a:lvl1pPr>
-            <a:lvl2pPr>
-              <a:defRPr sz="15400"/>
-            </a:lvl2pPr>
-            <a:lvl3pPr>
-              <a:defRPr sz="13200"/>
-            </a:lvl3pPr>
-            <a:lvl4pPr>
-              <a:defRPr sz="11000"/>
-            </a:lvl4pPr>
-            <a:lvl5pPr>
-              <a:defRPr sz="11000"/>
-            </a:lvl5pPr>
-            <a:lvl6pPr>
-              <a:defRPr sz="11000"/>
-            </a:lvl6pPr>
-            <a:lvl7pPr>
-              <a:defRPr sz="11000"/>
-            </a:lvl7pPr>
-            <a:lvl8pPr>
-              <a:defRPr sz="11000"/>
-            </a:lvl8pPr>
-            <a:lvl9pPr>
-              <a:defRPr sz="11000"/>
-            </a:lvl9pPr>
-          </a:lstStyle>
-          <a:p>
-            <a:pPr lvl="0"/>
-            <a:r>
-              <a:rPr lang="en-US" smtClean="0"/>
-              <a:t>Click to edit Master text styles</a:t>
-            </a:r>
-          </a:p>
-          <a:p>
-            <a:pPr lvl="1"/>
-            <a:r>
-              <a:rPr lang="en-US" smtClean="0"/>
-              <a:t>Second level</a:t>
-            </a:r>
-          </a:p>
-          <a:p>
-            <a:pPr lvl="2"/>
-            <a:r>
-              <a:rPr lang="en-US" smtClean="0"/>
-              <a:t>Third level</a:t>
-            </a:r>
-          </a:p>
-          <a:p>
-            <a:pPr lvl="3"/>
-            <a:r>
-              <a:rPr lang="en-US" smtClean="0"/>
-              <a:t>Fourth level</a:t>
-            </a:r>
-          </a:p>
-          <a:p>
-            <a:pPr lvl="4"/>
-            <a:r>
-              <a:rPr lang="en-US" smtClean="0"/>
-              <a:t>Fifth level</a:t>
-            </a:r>
-            <a:endParaRPr lang="en-GB"/>
-          </a:p>
-        </p:txBody>
-      </p:sp>
-      <p:sp>
-        <p:nvSpPr>
-          <p:cNvPr id="4" name="Text Placeholder 3"/>
-          <p:cNvSpPr>
-            <a:spLocks noGrp="1"/>
-          </p:cNvSpPr>
-          <p:nvPr>
-            <p:ph type="body" sz="half" idx="2"/>
-          </p:nvPr>
-        </p:nvSpPr>
-        <p:spPr>
-          <a:xfrm>
-            <a:off x="1828810" y="10715424"/>
-            <a:ext cx="12033252" cy="35026604"/>
+            <a:off x="3657600" y="11948160"/>
+            <a:ext cx="7620000" cy="33568640"/>
           </a:xfrm>
         </p:spPr>
         <p:txBody>
@@ -3438,45 +3716,29 @@
           <a:lstStyle>
             <a:lvl1pPr marL="0" indent="0">
               <a:buNone/>
-              <a:defRPr sz="7700"/>
+              <a:defRPr sz="9900"/>
             </a:lvl1pPr>
-            <a:lvl2pPr marL="2505528" indent="0">
+            <a:lvl2pPr>
               <a:buNone/>
               <a:defRPr sz="6600"/>
             </a:lvl2pPr>
-            <a:lvl3pPr marL="5011055" indent="0">
+            <a:lvl3pPr>
               <a:buNone/>
               <a:defRPr sz="5500"/>
             </a:lvl3pPr>
-            <a:lvl4pPr marL="7516583" indent="0">
+            <a:lvl4pPr>
               <a:buNone/>
               <a:defRPr sz="4900"/>
             </a:lvl4pPr>
-            <a:lvl5pPr marL="10022111" indent="0">
+            <a:lvl5pPr>
               <a:buNone/>
               <a:defRPr sz="4900"/>
             </a:lvl5pPr>
-            <a:lvl6pPr marL="12527633" indent="0">
-              <a:buNone/>
-              <a:defRPr sz="4900"/>
-            </a:lvl6pPr>
-            <a:lvl7pPr marL="15033160" indent="0">
-              <a:buNone/>
-              <a:defRPr sz="4900"/>
-            </a:lvl7pPr>
-            <a:lvl8pPr marL="17538688" indent="0">
-              <a:buNone/>
-              <a:defRPr sz="4900"/>
-            </a:lvl8pPr>
-            <a:lvl9pPr marL="20044216" indent="0">
-              <a:buNone/>
-              <a:defRPr sz="4900"/>
-            </a:lvl9pPr>
           </a:lstStyle>
           <a:p>
-            <a:pPr lvl="0"/>
-            <a:r>
-              <a:rPr lang="en-US" smtClean="0"/>
+            <a:pPr lvl="0" eaLnBrk="1" latinLnBrk="0" hangingPunct="1"/>
+            <a:r>
+              <a:rPr kumimoji="0" lang="en-US" smtClean="0"/>
               <a:t>Click to edit Master text styles</a:t>
             </a:r>
           </a:p>
@@ -3544,12 +3806,64 @@
           </a:p>
         </p:txBody>
       </p:sp>
+      <p:sp>
+        <p:nvSpPr>
+          <p:cNvPr id="11" name="Content Placeholder 10"/>
+          <p:cNvSpPr>
+            <a:spLocks noGrp="1"/>
+          </p:cNvSpPr>
+          <p:nvPr>
+            <p:ph sz="quarter" idx="1"/>
+          </p:nvPr>
+        </p:nvSpPr>
+        <p:spPr>
+          <a:xfrm>
+            <a:off x="11887200" y="11948160"/>
+            <a:ext cx="22860000" cy="33568640"/>
+          </a:xfrm>
+        </p:spPr>
+        <p:txBody>
+          <a:bodyPr vert="horz"/>
+          <a:lstStyle/>
+          <a:p>
+            <a:pPr lvl="0" eaLnBrk="1" latinLnBrk="0" hangingPunct="1"/>
+            <a:r>
+              <a:rPr lang="en-US" smtClean="0"/>
+              <a:t>Click to edit Master text styles</a:t>
+            </a:r>
+          </a:p>
+          <a:p>
+            <a:pPr lvl="1" eaLnBrk="1" latinLnBrk="0" hangingPunct="1"/>
+            <a:r>
+              <a:rPr lang="en-US" smtClean="0"/>
+              <a:t>Second level</a:t>
+            </a:r>
+          </a:p>
+          <a:p>
+            <a:pPr lvl="2" eaLnBrk="1" latinLnBrk="0" hangingPunct="1"/>
+            <a:r>
+              <a:rPr lang="en-US" smtClean="0"/>
+              <a:t>Third level</a:t>
+            </a:r>
+          </a:p>
+          <a:p>
+            <a:pPr lvl="3" eaLnBrk="1" latinLnBrk="0" hangingPunct="1"/>
+            <a:r>
+              <a:rPr lang="en-US" smtClean="0"/>
+              <a:t>Fourth level</a:t>
+            </a:r>
+          </a:p>
+          <a:p>
+            <a:pPr lvl="4" eaLnBrk="1" latinLnBrk="0" hangingPunct="1"/>
+            <a:r>
+              <a:rPr lang="en-US" smtClean="0"/>
+              <a:t>Fifth level</a:t>
+            </a:r>
+            <a:endParaRPr kumimoji="0" lang="en-US"/>
+          </a:p>
+        </p:txBody>
+      </p:sp>
     </p:spTree>
-    <p:extLst>
-      <p:ext uri="{BB962C8B-B14F-4D97-AF65-F5344CB8AC3E}">
-        <p14:creationId xmlns:p14="http://schemas.microsoft.com/office/powerpoint/2010/main" val="827150578"/>
-      </p:ext>
-    </p:extLst>
   </p:cSld>
   <p:clrMapOvr>
     <a:masterClrMapping/>
@@ -3586,147 +3900,70 @@
         </p:nvSpPr>
         <p:spPr>
           <a:xfrm>
-            <a:off x="7169152" y="35844480"/>
-            <a:ext cx="21945600" cy="4231644"/>
-          </a:xfrm>
-        </p:spPr>
-        <p:txBody>
-          <a:bodyPr anchor="b"/>
+            <a:off x="3657600" y="36590774"/>
+            <a:ext cx="29260800" cy="3899750"/>
+          </a:xfrm>
+        </p:spPr>
+        <p:txBody>
+          <a:bodyPr anchor="ctr">
+            <a:noAutofit/>
+          </a:bodyPr>
           <a:lstStyle>
             <a:lvl1pPr algn="l">
-              <a:defRPr sz="11000" b="1"/>
+              <a:buNone/>
+              <a:defRPr sz="15400" b="0"/>
             </a:lvl1pPr>
           </a:lstStyle>
           <a:p>
             <a:r>
-              <a:rPr lang="en-US" smtClean="0"/>
+              <a:rPr kumimoji="0" lang="en-US" smtClean="0"/>
               <a:t>Click to edit Master title style</a:t>
             </a:r>
-            <a:endParaRPr lang="en-GB"/>
-          </a:p>
-        </p:txBody>
-      </p:sp>
-      <p:sp>
-        <p:nvSpPr>
-          <p:cNvPr id="3" name="Picture Placeholder 2"/>
-          <p:cNvSpPr>
-            <a:spLocks noGrp="1"/>
-          </p:cNvSpPr>
-          <p:nvPr>
-            <p:ph type="pic" idx="1"/>
+            <a:endParaRPr kumimoji="0" lang="en-US"/>
+          </a:p>
+        </p:txBody>
+      </p:sp>
+      <p:sp>
+        <p:nvSpPr>
+          <p:cNvPr id="4" name="Text Placeholder 3"/>
+          <p:cNvSpPr>
+            <a:spLocks noGrp="1"/>
+          </p:cNvSpPr>
+          <p:nvPr>
+            <p:ph type="body" sz="half" idx="2"/>
           </p:nvPr>
         </p:nvSpPr>
         <p:spPr>
           <a:xfrm>
-            <a:off x="7169152" y="4575387"/>
-            <a:ext cx="21945600" cy="30723840"/>
+            <a:off x="3657600" y="40662160"/>
+            <a:ext cx="29260800" cy="5120640"/>
           </a:xfrm>
         </p:spPr>
         <p:txBody>
           <a:bodyPr/>
           <a:lstStyle>
             <a:lvl1pPr marL="0" indent="0">
-              <a:buNone/>
-              <a:defRPr sz="17600"/>
+              <a:buFontTx/>
+              <a:buNone/>
+              <a:defRPr sz="8800"/>
             </a:lvl1pPr>
-            <a:lvl2pPr marL="2505528" indent="0">
-              <a:buNone/>
-              <a:defRPr sz="15400"/>
-            </a:lvl2pPr>
-            <a:lvl3pPr marL="5011055" indent="0">
-              <a:buNone/>
-              <a:defRPr sz="13200"/>
-            </a:lvl3pPr>
-            <a:lvl4pPr marL="7516583" indent="0">
-              <a:buNone/>
-              <a:defRPr sz="11000"/>
-            </a:lvl4pPr>
-            <a:lvl5pPr marL="10022111" indent="0">
-              <a:buNone/>
-              <a:defRPr sz="11000"/>
-            </a:lvl5pPr>
-            <a:lvl6pPr marL="12527633" indent="0">
-              <a:buNone/>
-              <a:defRPr sz="11000"/>
-            </a:lvl6pPr>
-            <a:lvl7pPr marL="15033160" indent="0">
-              <a:buNone/>
-              <a:defRPr sz="11000"/>
-            </a:lvl7pPr>
-            <a:lvl8pPr marL="17538688" indent="0">
-              <a:buNone/>
-              <a:defRPr sz="11000"/>
-            </a:lvl8pPr>
-            <a:lvl9pPr marL="20044216" indent="0">
-              <a:buNone/>
-              <a:defRPr sz="11000"/>
-            </a:lvl9pPr>
-          </a:lstStyle>
-          <a:p>
-            <a:endParaRPr lang="en-GB"/>
-          </a:p>
-        </p:txBody>
-      </p:sp>
-      <p:sp>
-        <p:nvSpPr>
-          <p:cNvPr id="4" name="Text Placeholder 3"/>
-          <p:cNvSpPr>
-            <a:spLocks noGrp="1"/>
-          </p:cNvSpPr>
-          <p:nvPr>
-            <p:ph type="body" sz="half" idx="2"/>
-          </p:nvPr>
-        </p:nvSpPr>
-        <p:spPr>
-          <a:xfrm>
-            <a:off x="7169152" y="40076124"/>
-            <a:ext cx="21945600" cy="6009636"/>
-          </a:xfrm>
-        </p:spPr>
-        <p:txBody>
-          <a:bodyPr/>
-          <a:lstStyle>
-            <a:lvl1pPr marL="0" indent="0">
-              <a:buNone/>
-              <a:defRPr sz="7700"/>
-            </a:lvl1pPr>
-            <a:lvl2pPr marL="2505528" indent="0">
-              <a:buNone/>
+            <a:lvl2pPr>
               <a:defRPr sz="6600"/>
             </a:lvl2pPr>
-            <a:lvl3pPr marL="5011055" indent="0">
-              <a:buNone/>
+            <a:lvl3pPr>
               <a:defRPr sz="5500"/>
             </a:lvl3pPr>
-            <a:lvl4pPr marL="7516583" indent="0">
-              <a:buNone/>
+            <a:lvl4pPr>
               <a:defRPr sz="4900"/>
             </a:lvl4pPr>
-            <a:lvl5pPr marL="10022111" indent="0">
-              <a:buNone/>
+            <a:lvl5pPr>
               <a:defRPr sz="4900"/>
             </a:lvl5pPr>
-            <a:lvl6pPr marL="12527633" indent="0">
-              <a:buNone/>
-              <a:defRPr sz="4900"/>
-            </a:lvl6pPr>
-            <a:lvl7pPr marL="15033160" indent="0">
-              <a:buNone/>
-              <a:defRPr sz="4900"/>
-            </a:lvl7pPr>
-            <a:lvl8pPr marL="17538688" indent="0">
-              <a:buNone/>
-              <a:defRPr sz="4900"/>
-            </a:lvl8pPr>
-            <a:lvl9pPr marL="20044216" indent="0">
-              <a:buNone/>
-              <a:defRPr sz="4900"/>
-            </a:lvl9pPr>
           </a:lstStyle>
           <a:p>
-            <a:pPr lvl="0"/>
-            <a:r>
-              <a:rPr lang="en-US" smtClean="0"/>
+            <a:pPr lvl="0" eaLnBrk="1" latinLnBrk="0" hangingPunct="1"/>
+            <a:r>
+              <a:rPr kumimoji="0" lang="en-US" smtClean="0"/>
               <a:t>Click to edit Master text styles</a:t>
             </a:r>
           </a:p>
@@ -3761,7 +3998,12 @@
             <p:ph type="ftr" sz="quarter" idx="11"/>
           </p:nvPr>
         </p:nvSpPr>
-        <p:spPr/>
+        <p:spPr>
+          <a:xfrm>
+            <a:off x="3657600" y="46085760"/>
+            <a:ext cx="15544800" cy="3413760"/>
+          </a:xfrm>
+        </p:spPr>
         <p:txBody>
           <a:bodyPr/>
           <a:lstStyle/>
@@ -3780,7 +4022,12 @@
             <p:ph type="sldNum" sz="quarter" idx="12"/>
           </p:nvPr>
         </p:nvSpPr>
-        <p:spPr/>
+        <p:spPr>
+          <a:xfrm>
+            <a:off x="585216" y="46358861"/>
+            <a:ext cx="1828800" cy="3413760"/>
+          </a:xfrm>
+        </p:spPr>
         <p:txBody>
           <a:bodyPr/>
           <a:lstStyle/>
@@ -3794,12 +4041,196 @@
           </a:p>
         </p:txBody>
       </p:sp>
+      <p:sp>
+        <p:nvSpPr>
+          <p:cNvPr id="11" name="Rectangle 10"/>
+          <p:cNvSpPr/>
+          <p:nvPr/>
+        </p:nvSpPr>
+        <p:spPr>
+          <a:xfrm flipV="1">
+            <a:off x="273228" y="34970544"/>
+            <a:ext cx="36027360" cy="682752"/>
+          </a:xfrm>
+          <a:prstGeom prst="rect">
+            <a:avLst/>
+          </a:prstGeom>
+          <a:solidFill>
+            <a:schemeClr val="accent1">
+              <a:alpha val="100000"/>
+            </a:schemeClr>
+          </a:solidFill>
+          <a:ln w="19050" cap="sq" cmpd="sng" algn="ctr">
+            <a:noFill/>
+            <a:prstDash val="solid"/>
+          </a:ln>
+          <a:effectLst/>
+        </p:spPr>
+        <p:style>
+          <a:lnRef idx="3">
+            <a:schemeClr val="lt1"/>
+          </a:lnRef>
+          <a:fillRef idx="1">
+            <a:schemeClr val="accent1"/>
+          </a:fillRef>
+          <a:effectRef idx="1">
+            <a:schemeClr val="accent1"/>
+          </a:effectRef>
+          <a:fontRef idx="minor">
+            <a:schemeClr val="lt1"/>
+          </a:fontRef>
+        </p:style>
+        <p:txBody>
+          <a:bodyPr lIns="501612" tIns="250806" rIns="501612" bIns="250806" anchor="ctr"/>
+          <a:lstStyle/>
+          <a:p>
+            <a:pPr algn="ctr" eaLnBrk="1" latinLnBrk="0" hangingPunct="1"/>
+            <a:endParaRPr kumimoji="0" lang="en-US"/>
+          </a:p>
+        </p:txBody>
+      </p:sp>
+      <p:sp>
+        <p:nvSpPr>
+          <p:cNvPr id="12" name="Rectangle 11"/>
+          <p:cNvSpPr/>
+          <p:nvPr/>
+        </p:nvSpPr>
+        <p:spPr>
+          <a:xfrm>
+            <a:off x="274034" y="34723543"/>
+            <a:ext cx="36026556" cy="341369"/>
+          </a:xfrm>
+          <a:prstGeom prst="rect">
+            <a:avLst/>
+          </a:prstGeom>
+          <a:solidFill>
+            <a:schemeClr val="accent1">
+              <a:tint val="60000"/>
+            </a:schemeClr>
+          </a:solidFill>
+          <a:ln w="19050" cap="sq" cmpd="sng" algn="ctr">
+            <a:noFill/>
+            <a:prstDash val="solid"/>
+          </a:ln>
+          <a:effectLst/>
+        </p:spPr>
+        <p:style>
+          <a:lnRef idx="3">
+            <a:schemeClr val="lt1"/>
+          </a:lnRef>
+          <a:fillRef idx="1">
+            <a:schemeClr val="accent1"/>
+          </a:fillRef>
+          <a:effectRef idx="1">
+            <a:schemeClr val="accent1"/>
+          </a:effectRef>
+          <a:fontRef idx="minor">
+            <a:schemeClr val="lt1"/>
+          </a:fontRef>
+        </p:style>
+        <p:txBody>
+          <a:bodyPr lIns="501612" tIns="250806" rIns="501612" bIns="250806" anchor="ctr"/>
+          <a:lstStyle/>
+          <a:p>
+            <a:pPr algn="ctr" eaLnBrk="1" latinLnBrk="0" hangingPunct="1"/>
+            <a:endParaRPr kumimoji="0" lang="en-US"/>
+          </a:p>
+        </p:txBody>
+      </p:sp>
+      <p:sp>
+        <p:nvSpPr>
+          <p:cNvPr id="13" name="Rectangle 12"/>
+          <p:cNvSpPr/>
+          <p:nvPr/>
+        </p:nvSpPr>
+        <p:spPr>
+          <a:xfrm>
+            <a:off x="274042" y="35640076"/>
+            <a:ext cx="36026548" cy="364426"/>
+          </a:xfrm>
+          <a:prstGeom prst="rect">
+            <a:avLst/>
+          </a:prstGeom>
+          <a:solidFill>
+            <a:schemeClr val="accent5"/>
+          </a:solidFill>
+          <a:ln w="19050" cap="sq" cmpd="sng" algn="ctr">
+            <a:noFill/>
+            <a:prstDash val="solid"/>
+          </a:ln>
+          <a:effectLst/>
+        </p:spPr>
+        <p:style>
+          <a:lnRef idx="3">
+            <a:schemeClr val="lt1"/>
+          </a:lnRef>
+          <a:fillRef idx="1">
+            <a:schemeClr val="accent1"/>
+          </a:fillRef>
+          <a:effectRef idx="1">
+            <a:schemeClr val="accent1"/>
+          </a:effectRef>
+          <a:fontRef idx="minor">
+            <a:schemeClr val="lt1"/>
+          </a:fontRef>
+        </p:style>
+        <p:txBody>
+          <a:bodyPr lIns="501612" tIns="250806" rIns="501612" bIns="250806" anchor="ctr"/>
+          <a:lstStyle/>
+          <a:p>
+            <a:pPr algn="ctr" eaLnBrk="1" latinLnBrk="0" hangingPunct="1"/>
+            <a:endParaRPr kumimoji="0" lang="en-US"/>
+          </a:p>
+        </p:txBody>
+      </p:sp>
+      <p:sp>
+        <p:nvSpPr>
+          <p:cNvPr id="3" name="Picture Placeholder 2"/>
+          <p:cNvSpPr>
+            <a:spLocks noGrp="1"/>
+          </p:cNvSpPr>
+          <p:nvPr>
+            <p:ph type="pic" idx="1"/>
+          </p:nvPr>
+        </p:nvSpPr>
+        <p:spPr>
+          <a:xfrm>
+            <a:off x="273234" y="497844"/>
+            <a:ext cx="36007492" cy="34208720"/>
+          </a:xfrm>
+          <a:prstGeom prst="round2SameRect">
+            <a:avLst>
+              <a:gd name="adj1" fmla="val 7101"/>
+              <a:gd name="adj2" fmla="val 0"/>
+            </a:avLst>
+          </a:prstGeom>
+          <a:solidFill>
+            <a:schemeClr val="bg2"/>
+          </a:solidFill>
+          <a:ln w="6350">
+            <a:solidFill>
+              <a:schemeClr val="tx1"/>
+            </a:solidFill>
+          </a:ln>
+        </p:spPr>
+        <p:txBody>
+          <a:bodyPr/>
+          <a:lstStyle>
+            <a:lvl1pPr marL="0" indent="0">
+              <a:buNone/>
+              <a:defRPr sz="17600"/>
+            </a:lvl1pPr>
+          </a:lstStyle>
+          <a:p>
+            <a:r>
+              <a:rPr kumimoji="0" lang="en-US" smtClean="0"/>
+              <a:t>Click icon to add picture</a:t>
+            </a:r>
+            <a:endParaRPr kumimoji="0" lang="en-US" dirty="0"/>
+          </a:p>
+        </p:txBody>
+      </p:sp>
     </p:spTree>
-    <p:extLst>
-      <p:ext uri="{BB962C8B-B14F-4D97-AF65-F5344CB8AC3E}">
-        <p14:creationId xmlns:p14="http://schemas.microsoft.com/office/powerpoint/2010/main" val="209921615"/>
-      </p:ext>
-    </p:extLst>
   </p:cSld>
   <p:clrMapOvr>
     <a:masterClrMapping/>
@@ -3840,10 +4271,10 @@
           <a:lstStyle/>
           <a:p>
             <a:r>
-              <a:rPr lang="en-US" smtClean="0"/>
+              <a:rPr kumimoji="0" lang="en-US" smtClean="0"/>
               <a:t>Click to edit Master title style</a:t>
             </a:r>
-            <a:endParaRPr lang="en-GB"/>
+            <a:endParaRPr kumimoji="0" lang="en-US"/>
           </a:p>
         </p:txBody>
       </p:sp>
@@ -3862,40 +4293,40 @@
           <a:bodyPr vert="eaVert"/>
           <a:lstStyle/>
           <a:p>
-            <a:pPr lvl="0"/>
+            <a:pPr lvl="0" eaLnBrk="1" latinLnBrk="0" hangingPunct="1"/>
             <a:r>
               <a:rPr lang="en-US" smtClean="0"/>
               <a:t>Click to edit Master text styles</a:t>
             </a:r>
           </a:p>
           <a:p>
-            <a:pPr lvl="1"/>
+            <a:pPr lvl="1" eaLnBrk="1" latinLnBrk="0" hangingPunct="1"/>
             <a:r>
               <a:rPr lang="en-US" smtClean="0"/>
               <a:t>Second level</a:t>
             </a:r>
           </a:p>
           <a:p>
-            <a:pPr lvl="2"/>
+            <a:pPr lvl="2" eaLnBrk="1" latinLnBrk="0" hangingPunct="1"/>
             <a:r>
               <a:rPr lang="en-US" smtClean="0"/>
               <a:t>Third level</a:t>
             </a:r>
           </a:p>
           <a:p>
-            <a:pPr lvl="3"/>
+            <a:pPr lvl="3" eaLnBrk="1" latinLnBrk="0" hangingPunct="1"/>
             <a:r>
               <a:rPr lang="en-US" smtClean="0"/>
               <a:t>Fourth level</a:t>
             </a:r>
           </a:p>
           <a:p>
-            <a:pPr lvl="4"/>
+            <a:pPr lvl="4" eaLnBrk="1" latinLnBrk="0" hangingPunct="1"/>
             <a:r>
               <a:rPr lang="en-US" smtClean="0"/>
               <a:t>Fifth level</a:t>
             </a:r>
-            <a:endParaRPr lang="en-GB"/>
+            <a:endParaRPr kumimoji="0" lang="en-US"/>
           </a:p>
         </p:txBody>
       </p:sp>
@@ -3962,11 +4393,6 @@
         </p:txBody>
       </p:sp>
     </p:spTree>
-    <p:extLst>
-      <p:ext uri="{BB962C8B-B14F-4D97-AF65-F5344CB8AC3E}">
-        <p14:creationId xmlns:p14="http://schemas.microsoft.com/office/powerpoint/2010/main" val="2053302539"/>
-      </p:ext>
-    </p:extLst>
   </p:cSld>
   <p:clrMapOvr>
     <a:masterClrMapping/>
@@ -4003,8 +4429,8 @@
         </p:nvSpPr>
         <p:spPr>
           <a:xfrm>
-            <a:off x="106070400" y="15314510"/>
-            <a:ext cx="32918400" cy="326227440"/>
+            <a:off x="26517600" y="2050656"/>
+            <a:ext cx="8046720" cy="43691387"/>
           </a:xfrm>
         </p:spPr>
         <p:txBody>
@@ -4012,10 +4438,10 @@
           <a:lstStyle/>
           <a:p>
             <a:r>
-              <a:rPr lang="en-US" smtClean="0"/>
+              <a:rPr kumimoji="0" lang="en-US" smtClean="0"/>
               <a:t>Click to edit Master title style</a:t>
             </a:r>
-            <a:endParaRPr lang="en-GB"/>
+            <a:endParaRPr kumimoji="0" lang="en-US"/>
           </a:p>
         </p:txBody>
       </p:sp>
@@ -4031,48 +4457,48 @@
         </p:nvSpPr>
         <p:spPr>
           <a:xfrm>
-            <a:off x="7315200" y="15314510"/>
-            <a:ext cx="98145600" cy="326227440"/>
+            <a:off x="3657600" y="2050649"/>
+            <a:ext cx="22250400" cy="43691387"/>
           </a:xfrm>
         </p:spPr>
         <p:txBody>
           <a:bodyPr vert="eaVert"/>
           <a:lstStyle/>
           <a:p>
-            <a:pPr lvl="0"/>
+            <a:pPr lvl="0" eaLnBrk="1" latinLnBrk="0" hangingPunct="1"/>
             <a:r>
               <a:rPr lang="en-US" smtClean="0"/>
               <a:t>Click to edit Master text styles</a:t>
             </a:r>
           </a:p>
           <a:p>
-            <a:pPr lvl="1"/>
+            <a:pPr lvl="1" eaLnBrk="1" latinLnBrk="0" hangingPunct="1"/>
             <a:r>
               <a:rPr lang="en-US" smtClean="0"/>
               <a:t>Second level</a:t>
             </a:r>
           </a:p>
           <a:p>
-            <a:pPr lvl="2"/>
+            <a:pPr lvl="2" eaLnBrk="1" latinLnBrk="0" hangingPunct="1"/>
             <a:r>
               <a:rPr lang="en-US" smtClean="0"/>
               <a:t>Third level</a:t>
             </a:r>
           </a:p>
           <a:p>
-            <a:pPr lvl="3"/>
+            <a:pPr lvl="3" eaLnBrk="1" latinLnBrk="0" hangingPunct="1"/>
             <a:r>
               <a:rPr lang="en-US" smtClean="0"/>
               <a:t>Fourth level</a:t>
             </a:r>
           </a:p>
           <a:p>
-            <a:pPr lvl="4"/>
+            <a:pPr lvl="4" eaLnBrk="1" latinLnBrk="0" hangingPunct="1"/>
             <a:r>
               <a:rPr lang="en-US" smtClean="0"/>
               <a:t>Fifth level</a:t>
             </a:r>
-            <a:endParaRPr lang="en-GB"/>
+            <a:endParaRPr kumimoji="0" lang="en-US"/>
           </a:p>
         </p:txBody>
       </p:sp>
@@ -4139,11 +4565,6 @@
         </p:txBody>
       </p:sp>
     </p:spTree>
-    <p:extLst>
-      <p:ext uri="{BB962C8B-B14F-4D97-AF65-F5344CB8AC3E}">
-        <p14:creationId xmlns:p14="http://schemas.microsoft.com/office/powerpoint/2010/main" val="2584044967"/>
-      </p:ext>
-    </p:extLst>
   </p:cSld>
   <p:clrMapOvr>
     <a:masterClrMapping/>
@@ -7764,40 +8185,134 @@
       </p:grpSpPr>
       <p:sp>
         <p:nvSpPr>
-          <p:cNvPr id="2" name="Title Placeholder 1"/>
-          <p:cNvSpPr>
-            <a:spLocks noGrp="1"/>
-          </p:cNvSpPr>
-          <p:nvPr>
-            <p:ph type="title"/>
-          </p:nvPr>
+          <p:cNvPr id="9" name="Rectangle 8"/>
+          <p:cNvSpPr/>
+          <p:nvPr/>
         </p:nvSpPr>
         <p:spPr>
           <a:xfrm>
-            <a:off x="1828800" y="2050630"/>
-            <a:ext cx="32918400" cy="8534400"/>
+            <a:off x="0" y="0"/>
+            <a:ext cx="36576000" cy="51206400"/>
           </a:xfrm>
           <a:prstGeom prst="rect">
             <a:avLst/>
           </a:prstGeom>
-        </p:spPr>
-        <p:txBody>
-          <a:bodyPr vert="horz" lIns="501108" tIns="250554" rIns="501108" bIns="250554" rtlCol="0" anchor="ctr">
+          <a:solidFill>
+            <a:srgbClr val="FFFFFF"/>
+          </a:solidFill>
+          <a:ln w="12700" cap="flat" cmpd="sng" algn="ctr">
+            <a:noFill/>
+            <a:prstDash val="solid"/>
+          </a:ln>
+        </p:spPr>
+        <p:style>
+          <a:lnRef idx="2">
+            <a:schemeClr val="accent1"/>
+          </a:lnRef>
+          <a:fillRef idx="1">
+            <a:schemeClr val="accent1"/>
+          </a:fillRef>
+          <a:effectRef idx="0">
+            <a:schemeClr val="accent1"/>
+          </a:effectRef>
+          <a:fontRef idx="minor">
+            <a:schemeClr val="lt1"/>
+          </a:fontRef>
+        </p:style>
+        <p:txBody>
+          <a:bodyPr lIns="501612" tIns="250806" rIns="501612" bIns="250806" rtlCol="0" anchor="ctr"/>
+          <a:lstStyle/>
+          <a:p>
+            <a:pPr algn="ctr" eaLnBrk="1" latinLnBrk="0" hangingPunct="1"/>
+            <a:endParaRPr kumimoji="0" lang="en-US"/>
+          </a:p>
+        </p:txBody>
+      </p:sp>
+      <p:sp useBgFill="1">
+        <p:nvSpPr>
+          <p:cNvPr id="8" name="Rounded Rectangle 7"/>
+          <p:cNvSpPr/>
+          <p:nvPr/>
+        </p:nvSpPr>
+        <p:spPr>
+          <a:xfrm>
+            <a:off x="256032" y="520838"/>
+            <a:ext cx="36053488" cy="49977446"/>
+          </a:xfrm>
+          <a:prstGeom prst="roundRect">
+            <a:avLst>
+              <a:gd name="adj" fmla="val 4929"/>
+            </a:avLst>
+          </a:prstGeom>
+          <a:ln w="6350" cap="sq" cmpd="sng" algn="ctr">
+            <a:solidFill>
+              <a:schemeClr val="tx1">
+                <a:alpha val="100000"/>
+              </a:schemeClr>
+            </a:solidFill>
+            <a:prstDash val="solid"/>
+          </a:ln>
+          <a:effectLst/>
+        </p:spPr>
+        <p:style>
+          <a:lnRef idx="3">
+            <a:schemeClr val="lt1"/>
+          </a:lnRef>
+          <a:fillRef idx="1001">
+            <a:schemeClr val="lt1"/>
+          </a:fillRef>
+          <a:effectRef idx="1">
+            <a:schemeClr val="accent1"/>
+          </a:effectRef>
+          <a:fontRef idx="minor">
+            <a:schemeClr val="lt1"/>
+          </a:fontRef>
+        </p:style>
+        <p:txBody>
+          <a:bodyPr lIns="501612" tIns="250806" rIns="501612" bIns="250806" anchor="ctr"/>
+          <a:lstStyle/>
+          <a:p>
+            <a:pPr algn="ctr" eaLnBrk="1" latinLnBrk="0" hangingPunct="1"/>
+            <a:endParaRPr kumimoji="0" lang="en-US"/>
+          </a:p>
+        </p:txBody>
+      </p:sp>
+      <p:sp>
+        <p:nvSpPr>
+          <p:cNvPr id="22" name="Title Placeholder 21"/>
+          <p:cNvSpPr>
+            <a:spLocks noGrp="1"/>
+          </p:cNvSpPr>
+          <p:nvPr>
+            <p:ph type="title"/>
+          </p:nvPr>
+        </p:nvSpPr>
+        <p:spPr>
+          <a:xfrm>
+            <a:off x="3657600" y="2050630"/>
+            <a:ext cx="31089600" cy="8534400"/>
+          </a:xfrm>
+          <a:prstGeom prst="rect">
+            <a:avLst/>
+          </a:prstGeom>
+        </p:spPr>
+        <p:txBody>
+          <a:bodyPr lIns="501612" tIns="250806" rIns="501612" bIns="501612" anchor="b" anchorCtr="0">
             <a:normAutofit/>
           </a:bodyPr>
           <a:lstStyle/>
           <a:p>
             <a:r>
-              <a:rPr lang="en-US" smtClean="0"/>
+              <a:rPr kumimoji="0" lang="en-US" smtClean="0"/>
               <a:t>Click to edit Master title style</a:t>
             </a:r>
-            <a:endParaRPr lang="en-GB"/>
-          </a:p>
-        </p:txBody>
-      </p:sp>
-      <p:sp>
-        <p:nvSpPr>
-          <p:cNvPr id="3" name="Text Placeholder 2"/>
+            <a:endParaRPr kumimoji="0" lang="en-US"/>
+          </a:p>
+        </p:txBody>
+      </p:sp>
+      <p:sp>
+        <p:nvSpPr>
+          <p:cNvPr id="13" name="Text Placeholder 12"/>
           <p:cNvSpPr>
             <a:spLocks noGrp="1"/>
           </p:cNvSpPr>
@@ -7807,59 +8322,59 @@
         </p:nvSpPr>
         <p:spPr>
           <a:xfrm>
-            <a:off x="1828800" y="11948179"/>
-            <a:ext cx="32918400" cy="33793857"/>
+            <a:off x="3657600" y="10810240"/>
+            <a:ext cx="31089600" cy="34137600"/>
           </a:xfrm>
           <a:prstGeom prst="rect">
             <a:avLst/>
           </a:prstGeom>
         </p:spPr>
         <p:txBody>
-          <a:bodyPr vert="horz" lIns="501108" tIns="250554" rIns="501108" bIns="250554" rtlCol="0">
+          <a:bodyPr lIns="501612" tIns="250806" rIns="501612" bIns="250806">
             <a:normAutofit/>
           </a:bodyPr>
           <a:lstStyle/>
           <a:p>
-            <a:pPr lvl="0"/>
-            <a:r>
-              <a:rPr lang="en-US" smtClean="0"/>
+            <a:pPr lvl="0" eaLnBrk="1" latinLnBrk="0" hangingPunct="1"/>
+            <a:r>
+              <a:rPr kumimoji="0" lang="en-US" smtClean="0"/>
               <a:t>Click to edit Master text styles</a:t>
             </a:r>
           </a:p>
           <a:p>
-            <a:pPr lvl="1"/>
-            <a:r>
-              <a:rPr lang="en-US" smtClean="0"/>
+            <a:pPr lvl="1" eaLnBrk="1" latinLnBrk="0" hangingPunct="1"/>
+            <a:r>
+              <a:rPr kumimoji="0" lang="en-US" smtClean="0"/>
               <a:t>Second level</a:t>
             </a:r>
           </a:p>
           <a:p>
-            <a:pPr lvl="2"/>
-            <a:r>
-              <a:rPr lang="en-US" smtClean="0"/>
+            <a:pPr lvl="2" eaLnBrk="1" latinLnBrk="0" hangingPunct="1"/>
+            <a:r>
+              <a:rPr kumimoji="0" lang="en-US" smtClean="0"/>
               <a:t>Third level</a:t>
             </a:r>
           </a:p>
           <a:p>
-            <a:pPr lvl="3"/>
-            <a:r>
-              <a:rPr lang="en-US" smtClean="0"/>
+            <a:pPr lvl="3" eaLnBrk="1" latinLnBrk="0" hangingPunct="1"/>
+            <a:r>
+              <a:rPr kumimoji="0" lang="en-US" smtClean="0"/>
               <a:t>Fourth level</a:t>
             </a:r>
           </a:p>
           <a:p>
-            <a:pPr lvl="4"/>
-            <a:r>
-              <a:rPr lang="en-US" smtClean="0"/>
+            <a:pPr lvl="4" eaLnBrk="1" latinLnBrk="0" hangingPunct="1"/>
+            <a:r>
+              <a:rPr kumimoji="0" lang="en-US" smtClean="0"/>
               <a:t>Fifth level</a:t>
             </a:r>
-            <a:endParaRPr lang="en-GB"/>
-          </a:p>
-        </p:txBody>
-      </p:sp>
-      <p:sp>
-        <p:nvSpPr>
-          <p:cNvPr id="4" name="Date Placeholder 3"/>
+            <a:endParaRPr kumimoji="0" lang="en-US"/>
+          </a:p>
+        </p:txBody>
+      </p:sp>
+      <p:sp>
+        <p:nvSpPr>
+          <p:cNvPr id="14" name="Date Placeholder 13"/>
           <p:cNvSpPr>
             <a:spLocks noGrp="1"/>
           </p:cNvSpPr>
@@ -7869,22 +8384,20 @@
         </p:nvSpPr>
         <p:spPr>
           <a:xfrm>
-            <a:off x="1828800" y="47460765"/>
-            <a:ext cx="8534400" cy="2726267"/>
+            <a:off x="24688800" y="46228000"/>
+            <a:ext cx="9906000" cy="3556000"/>
           </a:xfrm>
           <a:prstGeom prst="rect">
             <a:avLst/>
           </a:prstGeom>
         </p:spPr>
         <p:txBody>
-          <a:bodyPr vert="horz" lIns="501108" tIns="250554" rIns="501108" bIns="250554" rtlCol="0" anchor="ctr"/>
+          <a:bodyPr lIns="501612" tIns="250806" rIns="501612" bIns="250806" anchor="ctr" anchorCtr="0"/>
           <a:lstStyle>
-            <a:lvl1pPr algn="l">
-              <a:defRPr sz="6600">
+            <a:lvl1pPr algn="r" eaLnBrk="1" latinLnBrk="0" hangingPunct="1">
+              <a:defRPr kumimoji="0" sz="7700">
                 <a:solidFill>
-                  <a:schemeClr val="tx1">
-                    <a:tint val="75000"/>
-                  </a:schemeClr>
+                  <a:schemeClr val="tx2"/>
                 </a:solidFill>
               </a:defRPr>
             </a:lvl1pPr>
@@ -7896,7 +8409,7 @@
       </p:sp>
       <p:sp>
         <p:nvSpPr>
-          <p:cNvPr id="5" name="Footer Placeholder 4"/>
+          <p:cNvPr id="3" name="Footer Placeholder 2"/>
           <p:cNvSpPr>
             <a:spLocks noGrp="1"/>
           </p:cNvSpPr>
@@ -7906,22 +8419,20 @@
         </p:nvSpPr>
         <p:spPr>
           <a:xfrm>
-            <a:off x="12496800" y="47460765"/>
-            <a:ext cx="11582400" cy="2726267"/>
+            <a:off x="3657600" y="46085760"/>
+            <a:ext cx="15849600" cy="3413760"/>
           </a:xfrm>
           <a:prstGeom prst="rect">
             <a:avLst/>
           </a:prstGeom>
         </p:spPr>
         <p:txBody>
-          <a:bodyPr vert="horz" lIns="501108" tIns="250554" rIns="501108" bIns="250554" rtlCol="0" anchor="ctr"/>
+          <a:bodyPr lIns="501612" tIns="250806" rIns="501612" bIns="250806" anchor="ctr" anchorCtr="0"/>
           <a:lstStyle>
-            <a:lvl1pPr algn="ctr">
-              <a:defRPr sz="6600">
+            <a:lvl1pPr eaLnBrk="1" latinLnBrk="0" hangingPunct="1">
+              <a:defRPr kumimoji="0" sz="7700">
                 <a:solidFill>
-                  <a:schemeClr val="tx1">
-                    <a:tint val="75000"/>
-                  </a:schemeClr>
+                  <a:schemeClr val="tx2"/>
                 </a:solidFill>
               </a:defRPr>
             </a:lvl1pPr>
@@ -7933,7 +8444,7 @@
       </p:sp>
       <p:sp>
         <p:nvSpPr>
-          <p:cNvPr id="6" name="Slide Number Placeholder 5"/>
+          <p:cNvPr id="23" name="Slide Number Placeholder 22"/>
           <p:cNvSpPr>
             <a:spLocks noGrp="1"/>
           </p:cNvSpPr>
@@ -7943,23 +8454,29 @@
         </p:nvSpPr>
         <p:spPr>
           <a:xfrm>
-            <a:off x="26212800" y="47460765"/>
-            <a:ext cx="8534400" cy="2726267"/>
-          </a:xfrm>
-          <a:prstGeom prst="rect">
+            <a:off x="585216" y="46370240"/>
+            <a:ext cx="1828800" cy="3413760"/>
+          </a:xfrm>
+          <a:prstGeom prst="ellipse">
             <a:avLst/>
           </a:prstGeom>
-        </p:spPr>
-        <p:txBody>
-          <a:bodyPr vert="horz" lIns="501108" tIns="250554" rIns="501108" bIns="250554" rtlCol="0" anchor="ctr"/>
+          <a:solidFill>
+            <a:schemeClr val="accent1"/>
+          </a:solidFill>
+        </p:spPr>
+        <p:txBody>
+          <a:bodyPr wrap="none" lIns="0" tIns="0" rIns="0" bIns="0" anchor="ctr" anchorCtr="1">
+            <a:noAutofit/>
+          </a:bodyPr>
           <a:lstStyle>
-            <a:lvl1pPr algn="r">
-              <a:defRPr sz="6600">
+            <a:lvl1pPr algn="ctr" eaLnBrk="1" latinLnBrk="0" hangingPunct="1">
+              <a:defRPr kumimoji="0" sz="7700">
                 <a:solidFill>
-                  <a:schemeClr val="tx1">
-                    <a:tint val="75000"/>
-                  </a:schemeClr>
+                  <a:srgbClr val="FFFFFF"/>
                 </a:solidFill>
+                <a:latin typeface="+mj-lt"/>
+                <a:ea typeface="+mj-ea"/>
+                <a:cs typeface="+mj-cs"/>
               </a:defRPr>
             </a:lvl1pPr>
           </a:lstStyle>
@@ -7974,37 +8491,32 @@
         </p:txBody>
       </p:sp>
     </p:spTree>
-    <p:extLst>
-      <p:ext uri="{BB962C8B-B14F-4D97-AF65-F5344CB8AC3E}">
-        <p14:creationId xmlns:p14="http://schemas.microsoft.com/office/powerpoint/2010/main" val="3955931436"/>
-      </p:ext>
-    </p:extLst>
   </p:cSld>
   <p:clrMap bg1="lt1" tx1="dk1" bg2="lt2" tx2="dk2" accent1="accent1" accent2="accent2" accent3="accent3" accent4="accent4" accent5="accent5" accent6="accent6" hlink="hlink" folHlink="folHlink"/>
   <p:sldLayoutIdLst>
-    <p:sldLayoutId id="2147483689" r:id="rId1"/>
-    <p:sldLayoutId id="2147483690" r:id="rId2"/>
-    <p:sldLayoutId id="2147483691" r:id="rId3"/>
-    <p:sldLayoutId id="2147483692" r:id="rId4"/>
-    <p:sldLayoutId id="2147483693" r:id="rId5"/>
-    <p:sldLayoutId id="2147483694" r:id="rId6"/>
-    <p:sldLayoutId id="2147483695" r:id="rId7"/>
-    <p:sldLayoutId id="2147483696" r:id="rId8"/>
-    <p:sldLayoutId id="2147483697" r:id="rId9"/>
-    <p:sldLayoutId id="2147483698" r:id="rId10"/>
-    <p:sldLayoutId id="2147483699" r:id="rId11"/>
-    <p:sldLayoutId id="2147483700" r:id="rId12"/>
+    <p:sldLayoutId id="2147483702" r:id="rId1"/>
+    <p:sldLayoutId id="2147483703" r:id="rId2"/>
+    <p:sldLayoutId id="2147483704" r:id="rId3"/>
+    <p:sldLayoutId id="2147483705" r:id="rId4"/>
+    <p:sldLayoutId id="2147483706" r:id="rId5"/>
+    <p:sldLayoutId id="2147483707" r:id="rId6"/>
+    <p:sldLayoutId id="2147483708" r:id="rId7"/>
+    <p:sldLayoutId id="2147483709" r:id="rId8"/>
+    <p:sldLayoutId id="2147483710" r:id="rId9"/>
+    <p:sldLayoutId id="2147483711" r:id="rId10"/>
+    <p:sldLayoutId id="2147483712" r:id="rId11"/>
+    <p:sldLayoutId id="2147483713" r:id="rId12"/>
   </p:sldLayoutIdLst>
   <p:txStyles>
     <p:titleStyle>
-      <a:lvl1pPr algn="ctr" defTabSz="5011055" rtl="0" eaLnBrk="1" latinLnBrk="0" hangingPunct="1">
+      <a:lvl1pPr algn="l" rtl="0" eaLnBrk="1" latinLnBrk="0" hangingPunct="1">
         <a:spcBef>
           <a:spcPct val="0"/>
         </a:spcBef>
         <a:buNone/>
-        <a:defRPr sz="24100" kern="1200">
+        <a:defRPr kumimoji="0" sz="21900" kern="1200">
           <a:solidFill>
-            <a:schemeClr val="tx1"/>
+            <a:schemeClr val="tx2"/>
           </a:solidFill>
           <a:latin typeface="+mj-lt"/>
           <a:ea typeface="+mj-ea"/>
@@ -8013,13 +8525,17 @@
       </a:lvl1pPr>
     </p:titleStyle>
     <p:bodyStyle>
-      <a:lvl1pPr marL="1879148" indent="-1879148" algn="l" defTabSz="5011055" rtl="0" eaLnBrk="1" latinLnBrk="0" hangingPunct="1">
+      <a:lvl1pPr marL="1504837" indent="-1504837" algn="l" rtl="0" eaLnBrk="1" latinLnBrk="0" hangingPunct="1">
         <a:spcBef>
-          <a:spcPct val="20000"/>
+          <a:spcPts val="3182"/>
         </a:spcBef>
-        <a:buFont typeface="Arial" pitchFamily="34" charset="0"/>
-        <a:buChar char="•"/>
-        <a:defRPr sz="17600" kern="1200">
+        <a:buClr>
+          <a:schemeClr val="accent1"/>
+        </a:buClr>
+        <a:buSzPct val="85000"/>
+        <a:buFont typeface="Wingdings 2"/>
+        <a:buChar char=""/>
+        <a:defRPr kumimoji="0" sz="14300" kern="1200">
           <a:solidFill>
             <a:schemeClr val="tx1"/>
           </a:solidFill>
@@ -8028,13 +8544,17 @@
           <a:cs typeface="+mn-cs"/>
         </a:defRPr>
       </a:lvl1pPr>
-      <a:lvl2pPr marL="4071487" indent="-1565959" algn="l" defTabSz="5011055" rtl="0" eaLnBrk="1" latinLnBrk="0" hangingPunct="1">
+      <a:lvl2pPr marL="3009674" indent="-1254031" algn="l" rtl="0" eaLnBrk="1" latinLnBrk="0" hangingPunct="1">
         <a:spcBef>
-          <a:spcPct val="20000"/>
+          <a:spcPts val="2030"/>
         </a:spcBef>
-        <a:buFont typeface="Arial" pitchFamily="34" charset="0"/>
-        <a:buChar char="–"/>
-        <a:defRPr sz="15400" kern="1200">
+        <a:buClr>
+          <a:schemeClr val="accent2"/>
+        </a:buClr>
+        <a:buSzPct val="85000"/>
+        <a:buFont typeface="Wingdings 2"/>
+        <a:buChar char=""/>
+        <a:defRPr kumimoji="0" sz="13200" kern="1200">
           <a:solidFill>
             <a:schemeClr val="tx1"/>
           </a:solidFill>
@@ -8043,13 +8563,19 @@
           <a:cs typeface="+mn-cs"/>
         </a:defRPr>
       </a:lvl2pPr>
-      <a:lvl3pPr marL="6263814" indent="-1252764" algn="l" defTabSz="5011055" rtl="0" eaLnBrk="1" latinLnBrk="0" hangingPunct="1">
+      <a:lvl3pPr marL="4514512" indent="-1254031" algn="l" rtl="0" eaLnBrk="1" latinLnBrk="0" hangingPunct="1">
         <a:spcBef>
-          <a:spcPct val="20000"/>
+          <a:spcPts val="2030"/>
         </a:spcBef>
-        <a:buFont typeface="Arial" pitchFamily="34" charset="0"/>
-        <a:buChar char="•"/>
-        <a:defRPr sz="13200" kern="1200">
+        <a:buClr>
+          <a:schemeClr val="accent1">
+            <a:tint val="60000"/>
+          </a:schemeClr>
+        </a:buClr>
+        <a:buSzPct val="85000"/>
+        <a:buFont typeface="Wingdings 2"/>
+        <a:buChar char=""/>
+        <a:defRPr kumimoji="0" sz="11000" kern="1200">
           <a:solidFill>
             <a:schemeClr val="tx1"/>
           </a:solidFill>
@@ -8058,13 +8584,17 @@
           <a:cs typeface="+mn-cs"/>
         </a:defRPr>
       </a:lvl3pPr>
-      <a:lvl4pPr marL="8769347" indent="-1252764" algn="l" defTabSz="5011055" rtl="0" eaLnBrk="1" latinLnBrk="0" hangingPunct="1">
+      <a:lvl4pPr marL="6019349" indent="-1254031" algn="l" rtl="0" eaLnBrk="1" latinLnBrk="0" hangingPunct="1">
         <a:spcBef>
-          <a:spcPct val="20000"/>
+          <a:spcPts val="2030"/>
         </a:spcBef>
-        <a:buFont typeface="Arial" pitchFamily="34" charset="0"/>
-        <a:buChar char="–"/>
-        <a:defRPr sz="11000" kern="1200">
+        <a:buClr>
+          <a:schemeClr val="accent3"/>
+        </a:buClr>
+        <a:buSzPct val="80000"/>
+        <a:buFont typeface="Wingdings 2"/>
+        <a:buChar char=""/>
+        <a:defRPr kumimoji="0" sz="11000" kern="1200">
           <a:solidFill>
             <a:schemeClr val="tx1"/>
           </a:solidFill>
@@ -8073,13 +8603,16 @@
           <a:cs typeface="+mn-cs"/>
         </a:defRPr>
       </a:lvl4pPr>
-      <a:lvl5pPr marL="11274874" indent="-1252764" algn="l" defTabSz="5011055" rtl="0" eaLnBrk="1" latinLnBrk="0" hangingPunct="1">
+      <a:lvl5pPr marL="7524186" indent="-1254031" algn="l" rtl="0" eaLnBrk="1" latinLnBrk="0" hangingPunct="1">
         <a:spcBef>
-          <a:spcPct val="20000"/>
+          <a:spcPts val="2030"/>
         </a:spcBef>
-        <a:buFont typeface="Arial" pitchFamily="34" charset="0"/>
-        <a:buChar char="»"/>
-        <a:defRPr sz="11000" kern="1200">
+        <a:buClr>
+          <a:schemeClr val="accent3"/>
+        </a:buClr>
+        <a:buFontTx/>
+        <a:buChar char="o"/>
+        <a:defRPr kumimoji="0" sz="11000" kern="1200">
           <a:solidFill>
             <a:schemeClr val="tx1"/>
           </a:solidFill>
@@ -8088,13 +8621,15 @@
           <a:cs typeface="+mn-cs"/>
         </a:defRPr>
       </a:lvl5pPr>
-      <a:lvl6pPr marL="13780402" indent="-1252764" algn="l" defTabSz="5011055" rtl="0" eaLnBrk="1" latinLnBrk="0" hangingPunct="1">
+      <a:lvl6pPr marL="9029023" indent="-1254031" algn="l" rtl="0" eaLnBrk="1" latinLnBrk="0" hangingPunct="1">
         <a:spcBef>
-          <a:spcPct val="20000"/>
+          <a:spcPts val="2030"/>
         </a:spcBef>
-        <a:buFont typeface="Arial" pitchFamily="34" charset="0"/>
+        <a:buClr>
+          <a:schemeClr val="accent3"/>
+        </a:buClr>
         <a:buChar char="•"/>
-        <a:defRPr sz="11000" kern="1200">
+        <a:defRPr kumimoji="0" sz="9900" kern="1200" baseline="0">
           <a:solidFill>
             <a:schemeClr val="tx1"/>
           </a:solidFill>
@@ -8103,13 +8638,15 @@
           <a:cs typeface="+mn-cs"/>
         </a:defRPr>
       </a:lvl6pPr>
-      <a:lvl7pPr marL="16285930" indent="-1252764" algn="l" defTabSz="5011055" rtl="0" eaLnBrk="1" latinLnBrk="0" hangingPunct="1">
+      <a:lvl7pPr marL="10533861" indent="-1254031" algn="l" rtl="0" eaLnBrk="1" latinLnBrk="0" hangingPunct="1">
         <a:spcBef>
-          <a:spcPct val="20000"/>
+          <a:spcPts val="2030"/>
         </a:spcBef>
-        <a:buFont typeface="Arial" pitchFamily="34" charset="0"/>
+        <a:buClr>
+          <a:schemeClr val="accent2"/>
+        </a:buClr>
         <a:buChar char="•"/>
-        <a:defRPr sz="11000" kern="1200">
+        <a:defRPr kumimoji="0" sz="9900" kern="1200">
           <a:solidFill>
             <a:schemeClr val="tx1"/>
           </a:solidFill>
@@ -8118,13 +8655,17 @@
           <a:cs typeface="+mn-cs"/>
         </a:defRPr>
       </a:lvl7pPr>
-      <a:lvl8pPr marL="18791457" indent="-1252764" algn="l" defTabSz="5011055" rtl="0" eaLnBrk="1" latinLnBrk="0" hangingPunct="1">
+      <a:lvl8pPr marL="12038698" indent="-1254031" algn="l" rtl="0" eaLnBrk="1" latinLnBrk="0" hangingPunct="1">
         <a:spcBef>
-          <a:spcPct val="20000"/>
+          <a:spcPts val="2030"/>
         </a:spcBef>
-        <a:buFont typeface="Arial" pitchFamily="34" charset="0"/>
+        <a:buClr>
+          <a:schemeClr val="accent1">
+            <a:tint val="60000"/>
+          </a:schemeClr>
+        </a:buClr>
         <a:buChar char="•"/>
-        <a:defRPr sz="11000" kern="1200">
+        <a:defRPr kumimoji="0" sz="9900" kern="1200">
           <a:solidFill>
             <a:schemeClr val="tx1"/>
           </a:solidFill>
@@ -8133,13 +8674,17 @@
           <a:cs typeface="+mn-cs"/>
         </a:defRPr>
       </a:lvl8pPr>
-      <a:lvl9pPr marL="21296985" indent="-1252764" algn="l" defTabSz="5011055" rtl="0" eaLnBrk="1" latinLnBrk="0" hangingPunct="1">
+      <a:lvl9pPr marL="13543535" indent="-1254031" algn="l" rtl="0" eaLnBrk="1" latinLnBrk="0" hangingPunct="1">
         <a:spcBef>
-          <a:spcPct val="20000"/>
+          <a:spcPts val="2030"/>
         </a:spcBef>
-        <a:buFont typeface="Arial" pitchFamily="34" charset="0"/>
+        <a:buClr>
+          <a:schemeClr val="accent2">
+            <a:tint val="60000"/>
+          </a:schemeClr>
+        </a:buClr>
         <a:buChar char="•"/>
-        <a:defRPr sz="11000" kern="1200">
+        <a:defRPr kumimoji="0" sz="9900" kern="1200">
           <a:solidFill>
             <a:schemeClr val="tx1"/>
           </a:solidFill>
@@ -8150,11 +8695,8 @@
       </a:lvl9pPr>
     </p:bodyStyle>
     <p:otherStyle>
-      <a:defPPr>
-        <a:defRPr lang="en-US"/>
-      </a:defPPr>
-      <a:lvl1pPr marL="0" algn="l" defTabSz="5011055" rtl="0" eaLnBrk="1" latinLnBrk="0" hangingPunct="1">
-        <a:defRPr sz="9900" kern="1200">
+      <a:lvl1pPr marL="0" algn="l" rtl="0" eaLnBrk="1" latinLnBrk="0" hangingPunct="1">
+        <a:defRPr kumimoji="0" kern="1200">
           <a:solidFill>
             <a:schemeClr val="tx1"/>
           </a:solidFill>
@@ -8163,8 +8705,8 @@
           <a:cs typeface="+mn-cs"/>
         </a:defRPr>
       </a:lvl1pPr>
-      <a:lvl2pPr marL="2505528" algn="l" defTabSz="5011055" rtl="0" eaLnBrk="1" latinLnBrk="0" hangingPunct="1">
-        <a:defRPr sz="9900" kern="1200">
+      <a:lvl2pPr marL="2508062" algn="l" rtl="0" eaLnBrk="1" latinLnBrk="0" hangingPunct="1">
+        <a:defRPr kumimoji="0" kern="1200">
           <a:solidFill>
             <a:schemeClr val="tx1"/>
           </a:solidFill>
@@ -8173,8 +8715,8 @@
           <a:cs typeface="+mn-cs"/>
         </a:defRPr>
       </a:lvl2pPr>
-      <a:lvl3pPr marL="5011055" algn="l" defTabSz="5011055" rtl="0" eaLnBrk="1" latinLnBrk="0" hangingPunct="1">
-        <a:defRPr sz="9900" kern="1200">
+      <a:lvl3pPr marL="5016124" algn="l" rtl="0" eaLnBrk="1" latinLnBrk="0" hangingPunct="1">
+        <a:defRPr kumimoji="0" kern="1200">
           <a:solidFill>
             <a:schemeClr val="tx1"/>
           </a:solidFill>
@@ -8183,8 +8725,8 @@
           <a:cs typeface="+mn-cs"/>
         </a:defRPr>
       </a:lvl3pPr>
-      <a:lvl4pPr marL="7516583" algn="l" defTabSz="5011055" rtl="0" eaLnBrk="1" latinLnBrk="0" hangingPunct="1">
-        <a:defRPr sz="9900" kern="1200">
+      <a:lvl4pPr marL="7524186" algn="l" rtl="0" eaLnBrk="1" latinLnBrk="0" hangingPunct="1">
+        <a:defRPr kumimoji="0" kern="1200">
           <a:solidFill>
             <a:schemeClr val="tx1"/>
           </a:solidFill>
@@ -8193,8 +8735,8 @@
           <a:cs typeface="+mn-cs"/>
         </a:defRPr>
       </a:lvl4pPr>
-      <a:lvl5pPr marL="10022111" algn="l" defTabSz="5011055" rtl="0" eaLnBrk="1" latinLnBrk="0" hangingPunct="1">
-        <a:defRPr sz="9900" kern="1200">
+      <a:lvl5pPr marL="10032248" algn="l" rtl="0" eaLnBrk="1" latinLnBrk="0" hangingPunct="1">
+        <a:defRPr kumimoji="0" kern="1200">
           <a:solidFill>
             <a:schemeClr val="tx1"/>
           </a:solidFill>
@@ -8203,8 +8745,8 @@
           <a:cs typeface="+mn-cs"/>
         </a:defRPr>
       </a:lvl5pPr>
-      <a:lvl6pPr marL="12527633" algn="l" defTabSz="5011055" rtl="0" eaLnBrk="1" latinLnBrk="0" hangingPunct="1">
-        <a:defRPr sz="9900" kern="1200">
+      <a:lvl6pPr marL="12540310" algn="l" rtl="0" eaLnBrk="1" latinLnBrk="0" hangingPunct="1">
+        <a:defRPr kumimoji="0" kern="1200">
           <a:solidFill>
             <a:schemeClr val="tx1"/>
           </a:solidFill>
@@ -8213,8 +8755,8 @@
           <a:cs typeface="+mn-cs"/>
         </a:defRPr>
       </a:lvl6pPr>
-      <a:lvl7pPr marL="15033160" algn="l" defTabSz="5011055" rtl="0" eaLnBrk="1" latinLnBrk="0" hangingPunct="1">
-        <a:defRPr sz="9900" kern="1200">
+      <a:lvl7pPr marL="15048372" algn="l" rtl="0" eaLnBrk="1" latinLnBrk="0" hangingPunct="1">
+        <a:defRPr kumimoji="0" kern="1200">
           <a:solidFill>
             <a:schemeClr val="tx1"/>
           </a:solidFill>
@@ -8223,8 +8765,8 @@
           <a:cs typeface="+mn-cs"/>
         </a:defRPr>
       </a:lvl7pPr>
-      <a:lvl8pPr marL="17538688" algn="l" defTabSz="5011055" rtl="0" eaLnBrk="1" latinLnBrk="0" hangingPunct="1">
-        <a:defRPr sz="9900" kern="1200">
+      <a:lvl8pPr marL="17556434" algn="l" rtl="0" eaLnBrk="1" latinLnBrk="0" hangingPunct="1">
+        <a:defRPr kumimoji="0" kern="1200">
           <a:solidFill>
             <a:schemeClr val="tx1"/>
           </a:solidFill>
@@ -8233,8 +8775,8 @@
           <a:cs typeface="+mn-cs"/>
         </a:defRPr>
       </a:lvl8pPr>
-      <a:lvl9pPr marL="20044216" algn="l" defTabSz="5011055" rtl="0" eaLnBrk="1" latinLnBrk="0" hangingPunct="1">
-        <a:defRPr sz="9900" kern="1200">
+      <a:lvl9pPr marL="20064496" algn="l" rtl="0" eaLnBrk="1" latinLnBrk="0" hangingPunct="1">
+        <a:defRPr kumimoji="0" kern="1200">
           <a:solidFill>
             <a:schemeClr val="tx1"/>
           </a:solidFill>
@@ -8267,28 +8809,30 @@
       </p:grpSpPr>
       <p:sp>
         <p:nvSpPr>
-          <p:cNvPr id="16" name="Rounded Rectangle 15"/>
+          <p:cNvPr id="28" name="Rectangle 27"/>
           <p:cNvSpPr/>
           <p:nvPr/>
         </p:nvSpPr>
         <p:spPr>
           <a:xfrm>
-            <a:off x="17855952" y="2704656"/>
-            <a:ext cx="18218024" cy="48101344"/>
-          </a:xfrm>
-          <a:prstGeom prst="roundRect">
+            <a:off x="18763620" y="23905101"/>
+            <a:ext cx="17263157" cy="9114924"/>
+          </a:xfrm>
+          <a:prstGeom prst="rect">
             <a:avLst/>
           </a:prstGeom>
         </p:spPr>
         <p:style>
-          <a:lnRef idx="1">
-            <a:schemeClr val="accent3"/>
+          <a:lnRef idx="2">
+            <a:schemeClr val="accent1">
+              <a:shade val="50000"/>
+            </a:schemeClr>
           </a:lnRef>
-          <a:fillRef idx="3">
-            <a:schemeClr val="accent3"/>
+          <a:fillRef idx="1">
+            <a:schemeClr val="accent1"/>
           </a:fillRef>
-          <a:effectRef idx="2">
-            <a:schemeClr val="accent3"/>
+          <a:effectRef idx="0">
+            <a:schemeClr val="accent1"/>
           </a:effectRef>
           <a:fontRef idx="minor">
             <a:schemeClr val="lt1"/>
@@ -8298,37 +8842,37 @@
           <a:bodyPr rtlCol="0" anchor="ctr"/>
           <a:lstStyle/>
           <a:p>
-            <a:pPr algn="ctr">
-              <a:buNone/>
-            </a:pPr>
-            <a:endParaRPr lang="en-GB" dirty="0"/>
-          </a:p>
-        </p:txBody>
-      </p:sp>
-      <p:sp>
-        <p:nvSpPr>
-          <p:cNvPr id="101" name="Rounded Rectangle 100"/>
+            <a:pPr algn="ctr"/>
+            <a:endParaRPr lang="en-GB"/>
+          </a:p>
+        </p:txBody>
+      </p:sp>
+      <p:sp>
+        <p:nvSpPr>
+          <p:cNvPr id="24" name="Rectangle 23"/>
           <p:cNvSpPr/>
           <p:nvPr/>
         </p:nvSpPr>
         <p:spPr>
           <a:xfrm>
-            <a:off x="433104" y="2704656"/>
-            <a:ext cx="16990800" cy="48173352"/>
-          </a:xfrm>
-          <a:prstGeom prst="roundRect">
+            <a:off x="18763620" y="35468295"/>
+            <a:ext cx="17263157" cy="13753529"/>
+          </a:xfrm>
+          <a:prstGeom prst="rect">
             <a:avLst/>
           </a:prstGeom>
         </p:spPr>
         <p:style>
-          <a:lnRef idx="1">
-            <a:schemeClr val="accent5"/>
+          <a:lnRef idx="2">
+            <a:schemeClr val="accent1">
+              <a:shade val="50000"/>
+            </a:schemeClr>
           </a:lnRef>
-          <a:fillRef idx="3">
-            <a:schemeClr val="accent5"/>
+          <a:fillRef idx="1">
+            <a:schemeClr val="accent1"/>
           </a:fillRef>
-          <a:effectRef idx="2">
-            <a:schemeClr val="accent5"/>
+          <a:effectRef idx="0">
+            <a:schemeClr val="accent1"/>
           </a:effectRef>
           <a:fontRef idx="minor">
             <a:schemeClr val="lt1"/>
@@ -8345,6 +8889,246 @@
       </p:sp>
       <p:sp>
         <p:nvSpPr>
+          <p:cNvPr id="26" name="Rectangle 25"/>
+          <p:cNvSpPr/>
+          <p:nvPr/>
+        </p:nvSpPr>
+        <p:spPr>
+          <a:xfrm>
+            <a:off x="18863175" y="12006397"/>
+            <a:ext cx="17137494" cy="11317079"/>
+          </a:xfrm>
+          <a:prstGeom prst="rect">
+            <a:avLst/>
+          </a:prstGeom>
+        </p:spPr>
+        <p:style>
+          <a:lnRef idx="2">
+            <a:schemeClr val="accent1">
+              <a:shade val="50000"/>
+            </a:schemeClr>
+          </a:lnRef>
+          <a:fillRef idx="1">
+            <a:schemeClr val="accent1"/>
+          </a:fillRef>
+          <a:effectRef idx="0">
+            <a:schemeClr val="accent1"/>
+          </a:effectRef>
+          <a:fontRef idx="minor">
+            <a:schemeClr val="lt1"/>
+          </a:fontRef>
+        </p:style>
+        <p:txBody>
+          <a:bodyPr rtlCol="0" anchor="ctr"/>
+          <a:lstStyle/>
+          <a:p>
+            <a:pPr algn="ctr"/>
+            <a:endParaRPr lang="en-GB"/>
+          </a:p>
+        </p:txBody>
+      </p:sp>
+      <p:sp>
+        <p:nvSpPr>
+          <p:cNvPr id="27" name="Rectangle 26"/>
+          <p:cNvSpPr/>
+          <p:nvPr/>
+        </p:nvSpPr>
+        <p:spPr>
+          <a:xfrm>
+            <a:off x="18863175" y="3136703"/>
+            <a:ext cx="17163603" cy="8280921"/>
+          </a:xfrm>
+          <a:prstGeom prst="rect">
+            <a:avLst/>
+          </a:prstGeom>
+        </p:spPr>
+        <p:style>
+          <a:lnRef idx="2">
+            <a:schemeClr val="accent1">
+              <a:shade val="50000"/>
+            </a:schemeClr>
+          </a:lnRef>
+          <a:fillRef idx="1">
+            <a:schemeClr val="accent1"/>
+          </a:fillRef>
+          <a:effectRef idx="0">
+            <a:schemeClr val="accent1"/>
+          </a:effectRef>
+          <a:fontRef idx="minor">
+            <a:schemeClr val="lt1"/>
+          </a:fontRef>
+        </p:style>
+        <p:txBody>
+          <a:bodyPr rtlCol="0" anchor="ctr"/>
+          <a:lstStyle/>
+          <a:p>
+            <a:pPr algn="ctr"/>
+            <a:endParaRPr lang="en-GB"/>
+          </a:p>
+        </p:txBody>
+      </p:sp>
+      <p:sp>
+        <p:nvSpPr>
+          <p:cNvPr id="23" name="Rectangle 22"/>
+          <p:cNvSpPr/>
+          <p:nvPr/>
+        </p:nvSpPr>
+        <p:spPr>
+          <a:xfrm>
+            <a:off x="453402" y="40364841"/>
+            <a:ext cx="16960748" cy="8856984"/>
+          </a:xfrm>
+          <a:prstGeom prst="rect">
+            <a:avLst/>
+          </a:prstGeom>
+        </p:spPr>
+        <p:style>
+          <a:lnRef idx="2">
+            <a:schemeClr val="accent1">
+              <a:shade val="50000"/>
+            </a:schemeClr>
+          </a:lnRef>
+          <a:fillRef idx="1">
+            <a:schemeClr val="accent1"/>
+          </a:fillRef>
+          <a:effectRef idx="0">
+            <a:schemeClr val="accent1"/>
+          </a:effectRef>
+          <a:fontRef idx="minor">
+            <a:schemeClr val="lt1"/>
+          </a:fontRef>
+        </p:style>
+        <p:txBody>
+          <a:bodyPr rtlCol="0" anchor="ctr"/>
+          <a:lstStyle/>
+          <a:p>
+            <a:pPr algn="ctr"/>
+            <a:endParaRPr lang="en-GB"/>
+          </a:p>
+        </p:txBody>
+      </p:sp>
+      <p:sp>
+        <p:nvSpPr>
+          <p:cNvPr id="22" name="Rectangle 21"/>
+          <p:cNvSpPr/>
+          <p:nvPr/>
+        </p:nvSpPr>
+        <p:spPr>
+          <a:xfrm>
+            <a:off x="518594" y="27050857"/>
+            <a:ext cx="16960748" cy="12413883"/>
+          </a:xfrm>
+          <a:prstGeom prst="rect">
+            <a:avLst/>
+          </a:prstGeom>
+        </p:spPr>
+        <p:style>
+          <a:lnRef idx="2">
+            <a:schemeClr val="accent1">
+              <a:shade val="50000"/>
+            </a:schemeClr>
+          </a:lnRef>
+          <a:fillRef idx="1">
+            <a:schemeClr val="accent1"/>
+          </a:fillRef>
+          <a:effectRef idx="0">
+            <a:schemeClr val="accent1"/>
+          </a:effectRef>
+          <a:fontRef idx="minor">
+            <a:schemeClr val="lt1"/>
+          </a:fontRef>
+        </p:style>
+        <p:txBody>
+          <a:bodyPr rtlCol="0" anchor="ctr"/>
+          <a:lstStyle/>
+          <a:p>
+            <a:pPr algn="ctr"/>
+            <a:endParaRPr lang="en-GB"/>
+          </a:p>
+        </p:txBody>
+      </p:sp>
+      <p:sp>
+        <p:nvSpPr>
+          <p:cNvPr id="21" name="Rectangle 20"/>
+          <p:cNvSpPr/>
+          <p:nvPr/>
+        </p:nvSpPr>
+        <p:spPr>
+          <a:xfrm>
+            <a:off x="509520" y="11201600"/>
+            <a:ext cx="16978896" cy="14568822"/>
+          </a:xfrm>
+          <a:prstGeom prst="rect">
+            <a:avLst/>
+          </a:prstGeom>
+        </p:spPr>
+        <p:style>
+          <a:lnRef idx="2">
+            <a:schemeClr val="accent1">
+              <a:shade val="50000"/>
+            </a:schemeClr>
+          </a:lnRef>
+          <a:fillRef idx="1">
+            <a:schemeClr val="accent1"/>
+          </a:fillRef>
+          <a:effectRef idx="0">
+            <a:schemeClr val="accent1"/>
+          </a:effectRef>
+          <a:fontRef idx="minor">
+            <a:schemeClr val="lt1"/>
+          </a:fontRef>
+        </p:style>
+        <p:txBody>
+          <a:bodyPr rtlCol="0" anchor="ctr"/>
+          <a:lstStyle/>
+          <a:p>
+            <a:pPr algn="ctr"/>
+            <a:endParaRPr lang="en-GB"/>
+          </a:p>
+        </p:txBody>
+      </p:sp>
+      <p:sp>
+        <p:nvSpPr>
+          <p:cNvPr id="2" name="Rectangle 1"/>
+          <p:cNvSpPr/>
+          <p:nvPr/>
+        </p:nvSpPr>
+        <p:spPr>
+          <a:xfrm>
+            <a:off x="489137" y="3136703"/>
+            <a:ext cx="16960748" cy="6696745"/>
+          </a:xfrm>
+          <a:prstGeom prst="rect">
+            <a:avLst/>
+          </a:prstGeom>
+        </p:spPr>
+        <p:style>
+          <a:lnRef idx="2">
+            <a:schemeClr val="accent1">
+              <a:shade val="50000"/>
+            </a:schemeClr>
+          </a:lnRef>
+          <a:fillRef idx="1">
+            <a:schemeClr val="accent1"/>
+          </a:fillRef>
+          <a:effectRef idx="0">
+            <a:schemeClr val="accent1"/>
+          </a:effectRef>
+          <a:fontRef idx="minor">
+            <a:schemeClr val="lt1"/>
+          </a:fontRef>
+        </p:style>
+        <p:txBody>
+          <a:bodyPr rtlCol="0" anchor="ctr"/>
+          <a:lstStyle/>
+          <a:p>
+            <a:pPr algn="ctr"/>
+            <a:endParaRPr lang="en-GB"/>
+          </a:p>
+        </p:txBody>
+      </p:sp>
+      <p:sp>
+        <p:nvSpPr>
           <p:cNvPr id="80898" name="Rectangle 2"/>
           <p:cNvSpPr>
             <a:spLocks noGrp="1" noChangeArrowheads="1"/>
@@ -8355,7 +9139,7 @@
         </p:nvSpPr>
         <p:spPr>
           <a:xfrm>
-            <a:off x="4318448" y="-1255784"/>
+            <a:off x="4318448" y="-1831848"/>
             <a:ext cx="28940691" cy="5431790"/>
           </a:xfrm>
           <a:noFill/>
@@ -8367,10 +9151,78 @@
           <a:lstStyle/>
           <a:p>
             <a:r>
-              <a:rPr lang="en-GB" sz="17600" b="1" dirty="0" smtClean="0"/>
+              <a:rPr lang="en-GB" sz="17600" b="1" dirty="0" smtClean="0">
+                <a:latin typeface="+mn-lt"/>
+              </a:rPr>
               <a:t>Coding Task II &amp; Weather API</a:t>
             </a:r>
-            <a:endParaRPr lang="en-GB" sz="17600" b="1" dirty="0"/>
+            <a:endParaRPr lang="en-GB" sz="17600" b="1" dirty="0">
+              <a:latin typeface="+mn-lt"/>
+            </a:endParaRPr>
+          </a:p>
+        </p:txBody>
+      </p:sp>
+      <p:sp>
+        <p:nvSpPr>
+          <p:cNvPr id="3" name="Text Placeholder 2"/>
+          <p:cNvSpPr>
+            <a:spLocks noGrp="1"/>
+          </p:cNvSpPr>
+          <p:nvPr>
+            <p:ph type="body" sz="half" idx="1"/>
+          </p:nvPr>
+        </p:nvSpPr>
+        <p:spPr>
+          <a:xfrm>
+            <a:off x="726232" y="2713028"/>
+            <a:ext cx="16404544" cy="6720313"/>
+          </a:xfrm>
+        </p:spPr>
+        <p:txBody>
+          <a:bodyPr>
+            <a:normAutofit/>
+          </a:bodyPr>
+          <a:lstStyle/>
+          <a:p>
+            <a:pPr marL="0" indent="0" algn="ctr">
+              <a:buNone/>
+            </a:pPr>
+            <a:r>
+              <a:rPr lang="en-GB" dirty="0" smtClean="0"/>
+              <a:t>Oxygen Coding Task II</a:t>
+            </a:r>
+            <a:endParaRPr lang="en-GB" dirty="0"/>
+          </a:p>
+        </p:txBody>
+      </p:sp>
+      <p:sp>
+        <p:nvSpPr>
+          <p:cNvPr id="4" name="Content Placeholder 3"/>
+          <p:cNvSpPr>
+            <a:spLocks noGrp="1"/>
+          </p:cNvSpPr>
+          <p:nvPr>
+            <p:ph sz="quarter" idx="2"/>
+          </p:nvPr>
+        </p:nvSpPr>
+        <p:spPr>
+          <a:xfrm>
+            <a:off x="18949351" y="2776665"/>
+            <a:ext cx="16404545" cy="4896543"/>
+          </a:xfrm>
+        </p:spPr>
+        <p:txBody>
+          <a:bodyPr/>
+          <a:lstStyle/>
+          <a:p>
+            <a:pPr marL="0" indent="0" algn="ctr">
+              <a:buNone/>
+            </a:pPr>
+            <a:r>
+              <a:rPr lang="en-GB" dirty="0" smtClean="0"/>
+              <a:t>Weather API</a:t>
+            </a:r>
+            <a:endParaRPr lang="en-GB" dirty="0"/>
           </a:p>
         </p:txBody>
       </p:sp>
@@ -8561,70 +9413,6 @@
           </a:p>
         </p:txBody>
       </p:sp>
-      <p:sp>
-        <p:nvSpPr>
-          <p:cNvPr id="3" name="Text Placeholder 2"/>
-          <p:cNvSpPr>
-            <a:spLocks noGrp="1"/>
-          </p:cNvSpPr>
-          <p:nvPr>
-            <p:ph type="body" sz="half" idx="1"/>
-          </p:nvPr>
-        </p:nvSpPr>
-        <p:spPr>
-          <a:xfrm>
-            <a:off x="726232" y="2713028"/>
-            <a:ext cx="16404544" cy="6720313"/>
-          </a:xfrm>
-        </p:spPr>
-        <p:txBody>
-          <a:bodyPr>
-            <a:normAutofit/>
-          </a:bodyPr>
-          <a:lstStyle/>
-          <a:p>
-            <a:pPr marL="0" indent="0" algn="ctr">
-              <a:buNone/>
-            </a:pPr>
-            <a:r>
-              <a:rPr lang="en-GB" dirty="0" smtClean="0"/>
-              <a:t>Oxygen Coding Task II</a:t>
-            </a:r>
-            <a:endParaRPr lang="en-GB" dirty="0"/>
-          </a:p>
-        </p:txBody>
-      </p:sp>
-      <p:sp>
-        <p:nvSpPr>
-          <p:cNvPr id="4" name="Content Placeholder 3"/>
-          <p:cNvSpPr>
-            <a:spLocks noGrp="1"/>
-          </p:cNvSpPr>
-          <p:nvPr>
-            <p:ph sz="quarter" idx="2"/>
-          </p:nvPr>
-        </p:nvSpPr>
-        <p:spPr>
-          <a:xfrm>
-            <a:off x="18949351" y="2776665"/>
-            <a:ext cx="16404545" cy="4896543"/>
-          </a:xfrm>
-        </p:spPr>
-        <p:txBody>
-          <a:bodyPr/>
-          <a:lstStyle/>
-          <a:p>
-            <a:pPr marL="0" indent="0" algn="ctr">
-              <a:buNone/>
-            </a:pPr>
-            <a:r>
-              <a:rPr lang="en-GB" dirty="0" smtClean="0"/>
-              <a:t>Weather API</a:t>
-            </a:r>
-            <a:endParaRPr lang="en-GB" dirty="0"/>
-          </a:p>
-        </p:txBody>
-      </p:sp>
       <p:pic>
         <p:nvPicPr>
           <p:cNvPr id="81445" name="Picture 549" descr="D:\Programs\Dropbox\Dropbox\Screenshots\Screenshot 2016-05-20 16.37.48.png"/>
@@ -8648,7 +9436,7 @@
         </p:blipFill>
         <p:spPr bwMode="auto">
           <a:xfrm>
-            <a:off x="924049" y="41588976"/>
+            <a:off x="924049" y="41228936"/>
             <a:ext cx="15553728" cy="5114708"/>
           </a:xfrm>
           <a:prstGeom prst="rect">
@@ -8699,8 +9487,8 @@
         </p:blipFill>
         <p:spPr bwMode="auto">
           <a:xfrm>
-            <a:off x="19195054" y="34892232"/>
-            <a:ext cx="15539820" cy="12961440"/>
+            <a:off x="21278168" y="36078208"/>
+            <a:ext cx="12307508" cy="10265436"/>
           </a:xfrm>
           <a:prstGeom prst="rect">
             <a:avLst/>
@@ -8750,7 +9538,7 @@
         </p:blipFill>
         <p:spPr bwMode="auto">
           <a:xfrm>
-            <a:off x="3030642" y="14129396"/>
+            <a:off x="3051025" y="11548930"/>
             <a:ext cx="11340541" cy="11340542"/>
           </a:xfrm>
           <a:prstGeom prst="rect">
@@ -8803,7 +9591,7 @@
         </p:blipFill>
         <p:spPr bwMode="auto">
           <a:xfrm>
-            <a:off x="19598311" y="11849672"/>
+            <a:off x="20130611" y="12353728"/>
             <a:ext cx="14602622" cy="8280920"/>
           </a:xfrm>
           <a:prstGeom prst="rect">
@@ -8841,8 +9629,8 @@
         </p:nvSpPr>
         <p:spPr>
           <a:xfrm>
-            <a:off x="18474686" y="5368952"/>
-            <a:ext cx="16849872" cy="7829836"/>
+            <a:off x="19006986" y="5368952"/>
+            <a:ext cx="16849872" cy="6721840"/>
           </a:xfrm>
           <a:prstGeom prst="rect">
             <a:avLst/>
@@ -8854,101 +9642,6 @@
             <a:spAutoFit/>
           </a:bodyPr>
           <a:lstStyle/>
-          <a:p>
-            <a:pPr algn="ctr">
-              <a:buNone/>
-            </a:pPr>
-            <a:r>
-              <a:rPr lang="en-GB" sz="6000" dirty="0" smtClean="0">
-                <a:solidFill>
-                  <a:srgbClr val="FFFFFF"/>
-                </a:solidFill>
-                <a:latin typeface="+mn-lt"/>
-                <a:ea typeface="Tahoma" pitchFamily="34" charset="0"/>
-                <a:cs typeface="Tahoma" pitchFamily="34" charset="0"/>
-              </a:rPr>
-              <a:t>This weather API for the BA game Relics.</a:t>
-            </a:r>
-          </a:p>
-          <a:p>
-            <a:pPr>
-              <a:buNone/>
-            </a:pPr>
-            <a:endParaRPr lang="en-GB" sz="6000" dirty="0">
-              <a:solidFill>
-                <a:srgbClr val="FFFFFF"/>
-              </a:solidFill>
-              <a:latin typeface="+mn-lt"/>
-              <a:ea typeface="Tahoma" pitchFamily="34" charset="0"/>
-              <a:cs typeface="Tahoma" pitchFamily="34" charset="0"/>
-            </a:endParaRPr>
-          </a:p>
-          <a:p>
-            <a:pPr algn="ctr">
-              <a:buNone/>
-            </a:pPr>
-            <a:r>
-              <a:rPr lang="en-GB" sz="6000" dirty="0" smtClean="0">
-                <a:solidFill>
-                  <a:srgbClr val="FFFFFF"/>
-                </a:solidFill>
-                <a:latin typeface="+mn-lt"/>
-                <a:ea typeface="Tahoma" pitchFamily="34" charset="0"/>
-                <a:cs typeface="Tahoma" pitchFamily="34" charset="0"/>
-              </a:rPr>
-              <a:t>This script will check the players location based on their IP address and then use a weather API to set the weather to the players current weather at their location.</a:t>
-            </a:r>
-          </a:p>
-          <a:p>
-            <a:pPr>
-              <a:buNone/>
-            </a:pPr>
-            <a:endParaRPr lang="en-GB" dirty="0">
-              <a:latin typeface="+mn-lt"/>
-            </a:endParaRPr>
-          </a:p>
-        </p:txBody>
-      </p:sp>
-      <p:sp>
-        <p:nvSpPr>
-          <p:cNvPr id="105" name="TextBox 104"/>
-          <p:cNvSpPr txBox="1"/>
-          <p:nvPr/>
-        </p:nvSpPr>
-        <p:spPr>
-          <a:xfrm>
-            <a:off x="18540028" y="20850672"/>
-            <a:ext cx="16849872" cy="12649617"/>
-          </a:xfrm>
-          <a:prstGeom prst="rect">
-            <a:avLst/>
-          </a:prstGeom>
-          <a:noFill/>
-        </p:spPr>
-        <p:txBody>
-          <a:bodyPr wrap="square" rtlCol="0">
-            <a:spAutoFit/>
-          </a:bodyPr>
-          <a:lstStyle/>
-          <a:p>
-            <a:pPr algn="ctr">
-              <a:buNone/>
-            </a:pPr>
-            <a:r>
-              <a:rPr lang="en-GB" sz="6000" dirty="0" smtClean="0">
-                <a:solidFill>
-                  <a:srgbClr val="FFFFFF"/>
-                </a:solidFill>
-                <a:latin typeface="+mn-lt"/>
-                <a:ea typeface="Tahoma" pitchFamily="34" charset="0"/>
-                <a:cs typeface="Tahoma" pitchFamily="34" charset="0"/>
-              </a:rPr>
-              <a:t>This is the code that checks the IP address and location of the player.</a:t>
-            </a:r>
-            <a:endParaRPr lang="en-GB" dirty="0">
-              <a:latin typeface="+mn-lt"/>
-            </a:endParaRPr>
-          </a:p>
           <a:p>
             <a:pPr algn="ctr">
               <a:buNone/>
@@ -8963,7 +9656,7 @@
             </a:endParaRPr>
           </a:p>
           <a:p>
-            <a:pPr>
+            <a:pPr algn="ctr">
               <a:buNone/>
             </a:pPr>
             <a:r>
@@ -8975,50 +9668,8 @@
                 <a:ea typeface="Tahoma" pitchFamily="34" charset="0"/>
                 <a:cs typeface="Tahoma" pitchFamily="34" charset="0"/>
               </a:rPr>
-              <a:t>This weather API integrated three separate APIs together. First it checked the users external IP address with:</a:t>
-            </a:r>
-          </a:p>
-          <a:p>
-            <a:pPr>
-              <a:buNone/>
-            </a:pPr>
-            <a:r>
-              <a:rPr lang="en-GB" sz="6000" dirty="0">
-                <a:solidFill>
-                  <a:srgbClr val="FFFFFF"/>
-                </a:solidFill>
-                <a:latin typeface="+mn-lt"/>
-                <a:ea typeface="Tahoma" pitchFamily="34" charset="0"/>
-                <a:cs typeface="Tahoma" pitchFamily="34" charset="0"/>
-                <a:hlinkClick r:id="rId6"/>
-              </a:rPr>
-              <a:t>http://api.ipify.org</a:t>
-            </a:r>
-            <a:r>
-              <a:rPr lang="en-GB" sz="6000" dirty="0" smtClean="0">
-                <a:solidFill>
-                  <a:srgbClr val="FFFFFF"/>
-                </a:solidFill>
-                <a:latin typeface="+mn-lt"/>
-                <a:ea typeface="Tahoma" pitchFamily="34" charset="0"/>
-                <a:cs typeface="Tahoma" pitchFamily="34" charset="0"/>
-                <a:hlinkClick r:id="rId6"/>
-              </a:rPr>
-              <a:t>/</a:t>
-            </a:r>
-            <a:endParaRPr lang="en-GB" sz="6000" dirty="0" smtClean="0">
-              <a:solidFill>
-                <a:srgbClr val="FFFFFF"/>
-              </a:solidFill>
-              <a:latin typeface="+mn-lt"/>
-              <a:ea typeface="Tahoma" pitchFamily="34" charset="0"/>
-              <a:cs typeface="Tahoma" pitchFamily="34" charset="0"/>
-            </a:endParaRPr>
-          </a:p>
-          <a:p>
-            <a:pPr>
-              <a:buNone/>
-            </a:pPr>
+              <a:t>This weather API will </a:t>
+            </a:r>
             <a:r>
               <a:rPr lang="en-GB" sz="6000" dirty="0" smtClean="0">
                 <a:solidFill>
@@ -9028,48 +9679,42 @@
                 <a:ea typeface="Tahoma" pitchFamily="34" charset="0"/>
                 <a:cs typeface="Tahoma" pitchFamily="34" charset="0"/>
               </a:rPr>
-              <a:t>Then it got the location of the user with:</a:t>
+              <a:t>check the players location based on their IP address and then use a weather API to set the weather to the players current weather at their location.</a:t>
             </a:r>
           </a:p>
           <a:p>
             <a:pPr>
               <a:buNone/>
             </a:pPr>
-            <a:r>
-              <a:rPr lang="en-GB" sz="6000" dirty="0">
-                <a:solidFill>
-                  <a:srgbClr val="FFFFFF"/>
-                </a:solidFill>
-                <a:latin typeface="+mn-lt"/>
-                <a:ea typeface="Tahoma" pitchFamily="34" charset="0"/>
-                <a:cs typeface="Tahoma" pitchFamily="34" charset="0"/>
-                <a:hlinkClick r:id="rId7"/>
-              </a:rPr>
-              <a:t>http://ipinfo.io</a:t>
-            </a:r>
-            <a:r>
-              <a:rPr lang="en-GB" sz="6000" dirty="0" smtClean="0">
-                <a:solidFill>
-                  <a:srgbClr val="FFFFFF"/>
-                </a:solidFill>
-                <a:latin typeface="+mn-lt"/>
-                <a:ea typeface="Tahoma" pitchFamily="34" charset="0"/>
-                <a:cs typeface="Tahoma" pitchFamily="34" charset="0"/>
-                <a:hlinkClick r:id="rId7"/>
-              </a:rPr>
-              <a:t>/</a:t>
-            </a:r>
-            <a:endParaRPr lang="en-GB" sz="6000" dirty="0" smtClean="0">
-              <a:solidFill>
-                <a:srgbClr val="FFFFFF"/>
-              </a:solidFill>
+            <a:endParaRPr lang="en-GB" dirty="0">
               <a:latin typeface="+mn-lt"/>
-              <a:ea typeface="Tahoma" pitchFamily="34" charset="0"/>
-              <a:cs typeface="Tahoma" pitchFamily="34" charset="0"/>
             </a:endParaRPr>
           </a:p>
-          <a:p>
-            <a:pPr>
+        </p:txBody>
+      </p:sp>
+      <p:sp>
+        <p:nvSpPr>
+          <p:cNvPr id="105" name="TextBox 104"/>
+          <p:cNvSpPr txBox="1"/>
+          <p:nvPr/>
+        </p:nvSpPr>
+        <p:spPr>
+          <a:xfrm>
+            <a:off x="19006986" y="21066477"/>
+            <a:ext cx="16849872" cy="1938992"/>
+          </a:xfrm>
+          <a:prstGeom prst="rect">
+            <a:avLst/>
+          </a:prstGeom>
+          <a:noFill/>
+        </p:spPr>
+        <p:txBody>
+          <a:bodyPr wrap="square" rtlCol="0">
+            <a:spAutoFit/>
+          </a:bodyPr>
+          <a:lstStyle/>
+          <a:p>
+            <a:pPr algn="ctr">
               <a:buNone/>
             </a:pPr>
             <a:r>
@@ -9081,13 +9726,8 @@
                 <a:ea typeface="Tahoma" pitchFamily="34" charset="0"/>
                 <a:cs typeface="Tahoma" pitchFamily="34" charset="0"/>
               </a:rPr>
-              <a:t>Then it gets the weather with:</a:t>
-            </a:r>
-          </a:p>
-          <a:p>
-            <a:pPr>
-              <a:buNone/>
-            </a:pPr>
+              <a:t>This is the code that checks the IP address and location of the player</a:t>
+            </a:r>
             <a:r>
               <a:rPr lang="en-GB" sz="6000" dirty="0" smtClean="0">
                 <a:solidFill>
@@ -9096,30 +9736,11 @@
                 <a:latin typeface="+mn-lt"/>
                 <a:ea typeface="Tahoma" pitchFamily="34" charset="0"/>
                 <a:cs typeface="Tahoma" pitchFamily="34" charset="0"/>
-                <a:hlinkClick r:id="rId8"/>
               </a:rPr>
-              <a:t>http://openweathermap.org</a:t>
-            </a:r>
-            <a:endParaRPr lang="en-GB" sz="6000" dirty="0" smtClean="0">
-              <a:solidFill>
-                <a:srgbClr val="FFFFFF"/>
-              </a:solidFill>
+              <a:t>.</a:t>
+            </a:r>
+            <a:endParaRPr lang="en-GB" dirty="0">
               <a:latin typeface="+mn-lt"/>
-              <a:ea typeface="Tahoma" pitchFamily="34" charset="0"/>
-              <a:cs typeface="Tahoma" pitchFamily="34" charset="0"/>
-            </a:endParaRPr>
-          </a:p>
-          <a:p>
-            <a:pPr>
-              <a:buNone/>
-            </a:pPr>
-            <a:endParaRPr lang="en-GB" sz="6000" dirty="0">
-              <a:solidFill>
-                <a:srgbClr val="FFFFFF"/>
-              </a:solidFill>
-              <a:latin typeface="+mn-lt"/>
-              <a:ea typeface="Tahoma" pitchFamily="34" charset="0"/>
-              <a:cs typeface="Tahoma" pitchFamily="34" charset="0"/>
             </a:endParaRPr>
           </a:p>
         </p:txBody>
@@ -9132,7 +9753,7 @@
         </p:nvSpPr>
         <p:spPr>
           <a:xfrm>
-            <a:off x="18504024" y="48074920"/>
+            <a:off x="18993932" y="46845560"/>
             <a:ext cx="16849872" cy="1938992"/>
           </a:xfrm>
           <a:prstGeom prst="rect">
@@ -9171,7 +9792,7 @@
         </p:nvSpPr>
         <p:spPr>
           <a:xfrm>
-            <a:off x="898068" y="26467296"/>
+            <a:off x="1096832" y="23283672"/>
             <a:ext cx="16201800" cy="3767185"/>
           </a:xfrm>
           <a:prstGeom prst="rect">
@@ -9218,8 +9839,8 @@
         </p:nvSpPr>
         <p:spPr>
           <a:xfrm>
-            <a:off x="600013" y="47038815"/>
-            <a:ext cx="16849872" cy="3767185"/>
+            <a:off x="600013" y="46678775"/>
+            <a:ext cx="16849872" cy="1938992"/>
           </a:xfrm>
           <a:prstGeom prst="rect">
             <a:avLst/>
@@ -9244,15 +9865,26 @@
                 <a:ea typeface="Tahoma" pitchFamily="34" charset="0"/>
                 <a:cs typeface="Tahoma" pitchFamily="34" charset="0"/>
               </a:rPr>
-              <a:t>Sample bit of code that checks the neighbouring cells oxygen value</a:t>
-            </a:r>
-          </a:p>
-          <a:p>
-            <a:pPr>
-              <a:buNone/>
-            </a:pPr>
-            <a:endParaRPr lang="en-GB" dirty="0">
+              <a:t>Sample bit of code that checks the neighbouring cells oxygen </a:t>
+            </a:r>
+            <a:r>
+              <a:rPr lang="en-GB" sz="6000" dirty="0" smtClean="0">
+                <a:solidFill>
+                  <a:srgbClr val="FFFFFF"/>
+                </a:solidFill>
+                <a:latin typeface="+mn-lt"/>
+                <a:ea typeface="Tahoma" pitchFamily="34" charset="0"/>
+                <a:cs typeface="Tahoma" pitchFamily="34" charset="0"/>
+              </a:rPr>
+              <a:t>value</a:t>
+            </a:r>
+            <a:endParaRPr lang="en-GB" sz="6000" dirty="0" smtClean="0">
+              <a:solidFill>
+                <a:srgbClr val="FFFFFF"/>
+              </a:solidFill>
               <a:latin typeface="+mn-lt"/>
+              <a:ea typeface="Tahoma" pitchFamily="34" charset="0"/>
+              <a:cs typeface="Tahoma" pitchFamily="34" charset="0"/>
             </a:endParaRPr>
           </a:p>
         </p:txBody>
@@ -9265,7 +9897,7 @@
         </p:nvSpPr>
         <p:spPr>
           <a:xfrm>
-            <a:off x="600013" y="8459655"/>
+            <a:off x="924049" y="5368952"/>
             <a:ext cx="16201800" cy="4708981"/>
           </a:xfrm>
           <a:prstGeom prst="rect">
@@ -9308,7 +9940,7 @@
           <p:nvPr/>
         </p:nvPicPr>
         <p:blipFill>
-          <a:blip r:embed="rId9">
+          <a:blip r:embed="rId6">
             <a:extLst>
               <a:ext uri="{28A0092B-C50C-407E-A947-70E740481C1C}">
                 <a14:useLocalDpi xmlns:a14="http://schemas.microsoft.com/office/drawing/2010/main" val="0"/>
@@ -9322,8 +9954,8 @@
         </p:blipFill>
         <p:spPr bwMode="auto">
           <a:xfrm>
-            <a:off x="2679847" y="28792546"/>
-            <a:ext cx="12497314" cy="9415486"/>
+            <a:off x="1947389" y="27835449"/>
+            <a:ext cx="13978762" cy="10531610"/>
           </a:xfrm>
           <a:prstGeom prst="rect">
             <a:avLst/>
@@ -9360,7 +9992,7 @@
         </p:nvSpPr>
         <p:spPr>
           <a:xfrm>
-            <a:off x="752413" y="38174608"/>
+            <a:off x="781870" y="38421085"/>
             <a:ext cx="16849872" cy="2843855"/>
           </a:xfrm>
           <a:prstGeom prst="rect">
@@ -9386,8 +10018,49 @@
                 <a:ea typeface="Tahoma" pitchFamily="34" charset="0"/>
                 <a:cs typeface="Tahoma" pitchFamily="34" charset="0"/>
               </a:rPr>
-              <a:t>Use Case Diagram of the oxygen system.</a:t>
-            </a:r>
+              <a:t>Use Case Diagram of </a:t>
+            </a:r>
+            <a:r>
+              <a:rPr lang="en-GB" sz="6000" dirty="0" smtClean="0">
+                <a:solidFill>
+                  <a:srgbClr val="FFFFFF"/>
+                </a:solidFill>
+                <a:latin typeface="+mn-lt"/>
+                <a:ea typeface="Tahoma" pitchFamily="34" charset="0"/>
+                <a:cs typeface="Tahoma" pitchFamily="34" charset="0"/>
+              </a:rPr>
+              <a:t>how the </a:t>
+            </a:r>
+            <a:r>
+              <a:rPr lang="en-GB" sz="6000" dirty="0" smtClean="0">
+                <a:solidFill>
+                  <a:srgbClr val="FFFFFF"/>
+                </a:solidFill>
+                <a:latin typeface="+mn-lt"/>
+                <a:ea typeface="Tahoma" pitchFamily="34" charset="0"/>
+                <a:cs typeface="Tahoma" pitchFamily="34" charset="0"/>
+              </a:rPr>
+              <a:t>oxygen </a:t>
+            </a:r>
+            <a:r>
+              <a:rPr lang="en-GB" sz="6000" dirty="0" smtClean="0">
+                <a:solidFill>
+                  <a:srgbClr val="FFFFFF"/>
+                </a:solidFill>
+                <a:latin typeface="+mn-lt"/>
+                <a:ea typeface="Tahoma" pitchFamily="34" charset="0"/>
+                <a:cs typeface="Tahoma" pitchFamily="34" charset="0"/>
+              </a:rPr>
+              <a:t>system works.</a:t>
+            </a:r>
+            <a:endParaRPr lang="en-GB" sz="6000" dirty="0" smtClean="0">
+              <a:solidFill>
+                <a:srgbClr val="FFFFFF"/>
+              </a:solidFill>
+              <a:latin typeface="+mn-lt"/>
+              <a:ea typeface="Tahoma" pitchFamily="34" charset="0"/>
+              <a:cs typeface="Tahoma" pitchFamily="34" charset="0"/>
+            </a:endParaRPr>
           </a:p>
           <a:p>
             <a:pPr>
@@ -9396,6 +10069,192 @@
             <a:endParaRPr lang="en-GB" dirty="0">
               <a:latin typeface="+mn-lt"/>
             </a:endParaRPr>
+          </a:p>
+        </p:txBody>
+      </p:sp>
+      <p:sp>
+        <p:nvSpPr>
+          <p:cNvPr id="5" name="Rectangle 4"/>
+          <p:cNvSpPr/>
+          <p:nvPr/>
+        </p:nvSpPr>
+        <p:spPr>
+          <a:xfrm>
+            <a:off x="489137" y="3136703"/>
+            <a:ext cx="35537641" cy="46085121"/>
+          </a:xfrm>
+          <a:prstGeom prst="rect">
+            <a:avLst/>
+          </a:prstGeom>
+          <a:noFill/>
+          <a:ln w="76200">
+            <a:solidFill>
+              <a:schemeClr val="tx1"/>
+            </a:solidFill>
+          </a:ln>
+        </p:spPr>
+        <p:style>
+          <a:lnRef idx="2">
+            <a:schemeClr val="accent1">
+              <a:shade val="50000"/>
+            </a:schemeClr>
+          </a:lnRef>
+          <a:fillRef idx="1">
+            <a:schemeClr val="accent1"/>
+          </a:fillRef>
+          <a:effectRef idx="0">
+            <a:schemeClr val="accent1"/>
+          </a:effectRef>
+          <a:fontRef idx="minor">
+            <a:schemeClr val="lt1"/>
+          </a:fontRef>
+        </p:style>
+        <p:txBody>
+          <a:bodyPr rtlCol="0" anchor="ctr"/>
+          <a:lstStyle/>
+          <a:p>
+            <a:pPr algn="ctr"/>
+            <a:endParaRPr lang="en-GB"/>
+          </a:p>
+        </p:txBody>
+      </p:sp>
+      <p:sp>
+        <p:nvSpPr>
+          <p:cNvPr id="31" name="TextBox 30"/>
+          <p:cNvSpPr txBox="1"/>
+          <p:nvPr/>
+        </p:nvSpPr>
+        <p:spPr>
+          <a:xfrm>
+            <a:off x="18970262" y="24307056"/>
+            <a:ext cx="16849872" cy="10230493"/>
+          </a:xfrm>
+          <a:prstGeom prst="rect">
+            <a:avLst/>
+          </a:prstGeom>
+          <a:noFill/>
+        </p:spPr>
+        <p:txBody>
+          <a:bodyPr wrap="square" rtlCol="0">
+            <a:spAutoFit/>
+          </a:bodyPr>
+          <a:lstStyle/>
+          <a:p>
+            <a:pPr algn="ctr">
+              <a:buNone/>
+            </a:pPr>
+            <a:r>
+              <a:rPr lang="en-GB" sz="6000" dirty="0">
+                <a:solidFill>
+                  <a:srgbClr val="FFFFFF"/>
+                </a:solidFill>
+                <a:ea typeface="Tahoma" pitchFamily="34" charset="0"/>
+                <a:cs typeface="Tahoma" pitchFamily="34" charset="0"/>
+              </a:rPr>
+              <a:t>This weather API integrated three separate APIs together. First it checked the users external IP address with:</a:t>
+            </a:r>
+          </a:p>
+          <a:p>
+            <a:pPr algn="ctr">
+              <a:buNone/>
+            </a:pPr>
+            <a:r>
+              <a:rPr lang="en-GB" sz="6000" dirty="0">
+                <a:solidFill>
+                  <a:srgbClr val="FFFFFF"/>
+                </a:solidFill>
+                <a:ea typeface="Tahoma" pitchFamily="34" charset="0"/>
+                <a:cs typeface="Tahoma" pitchFamily="34" charset="0"/>
+                <a:hlinkClick r:id="rId7"/>
+              </a:rPr>
+              <a:t>http://api.ipify.org/</a:t>
+            </a:r>
+            <a:endParaRPr lang="en-GB" sz="6000" dirty="0">
+              <a:solidFill>
+                <a:srgbClr val="FFFFFF"/>
+              </a:solidFill>
+              <a:ea typeface="Tahoma" pitchFamily="34" charset="0"/>
+              <a:cs typeface="Tahoma" pitchFamily="34" charset="0"/>
+            </a:endParaRPr>
+          </a:p>
+          <a:p>
+            <a:pPr algn="ctr">
+              <a:buNone/>
+            </a:pPr>
+            <a:r>
+              <a:rPr lang="en-GB" sz="6000" dirty="0">
+                <a:solidFill>
+                  <a:srgbClr val="FFFFFF"/>
+                </a:solidFill>
+                <a:ea typeface="Tahoma" pitchFamily="34" charset="0"/>
+                <a:cs typeface="Tahoma" pitchFamily="34" charset="0"/>
+              </a:rPr>
+              <a:t>Then the script got the location of the user with:</a:t>
+            </a:r>
+          </a:p>
+          <a:p>
+            <a:pPr algn="ctr">
+              <a:buNone/>
+            </a:pPr>
+            <a:r>
+              <a:rPr lang="en-GB" sz="6000" dirty="0">
+                <a:solidFill>
+                  <a:srgbClr val="FFFFFF"/>
+                </a:solidFill>
+                <a:ea typeface="Tahoma" pitchFamily="34" charset="0"/>
+                <a:cs typeface="Tahoma" pitchFamily="34" charset="0"/>
+                <a:hlinkClick r:id="rId8"/>
+              </a:rPr>
+              <a:t>http://ipinfo.io/</a:t>
+            </a:r>
+            <a:endParaRPr lang="en-GB" sz="6000" dirty="0">
+              <a:solidFill>
+                <a:srgbClr val="FFFFFF"/>
+              </a:solidFill>
+              <a:ea typeface="Tahoma" pitchFamily="34" charset="0"/>
+              <a:cs typeface="Tahoma" pitchFamily="34" charset="0"/>
+            </a:endParaRPr>
+          </a:p>
+          <a:p>
+            <a:pPr algn="ctr">
+              <a:buNone/>
+            </a:pPr>
+            <a:r>
+              <a:rPr lang="en-GB" sz="6000" dirty="0">
+                <a:solidFill>
+                  <a:srgbClr val="FFFFFF"/>
+                </a:solidFill>
+                <a:ea typeface="Tahoma" pitchFamily="34" charset="0"/>
+                <a:cs typeface="Tahoma" pitchFamily="34" charset="0"/>
+              </a:rPr>
+              <a:t>Then it gets the weather with:</a:t>
+            </a:r>
+          </a:p>
+          <a:p>
+            <a:pPr algn="ctr">
+              <a:buNone/>
+            </a:pPr>
+            <a:r>
+              <a:rPr lang="en-GB" sz="6000" dirty="0">
+                <a:solidFill>
+                  <a:srgbClr val="FFFFFF"/>
+                </a:solidFill>
+                <a:ea typeface="Tahoma" pitchFamily="34" charset="0"/>
+                <a:cs typeface="Tahoma" pitchFamily="34" charset="0"/>
+                <a:hlinkClick r:id="rId9"/>
+              </a:rPr>
+              <a:t>http://openweathermap.org/</a:t>
+            </a:r>
+            <a:endParaRPr lang="en-GB" sz="6000" dirty="0">
+              <a:solidFill>
+                <a:srgbClr val="FFFFFF"/>
+              </a:solidFill>
+              <a:ea typeface="Tahoma" pitchFamily="34" charset="0"/>
+              <a:cs typeface="Tahoma" pitchFamily="34" charset="0"/>
+            </a:endParaRPr>
+          </a:p>
+          <a:p>
+            <a:endParaRPr lang="en-GB" sz="9600" dirty="0"/>
           </a:p>
         </p:txBody>
       </p:sp>
@@ -10300,9 +11159,9 @@
 </file>
 
 <file path=ppt/theme/theme2.xml><?xml version="1.0" encoding="utf-8"?>
-<a:theme xmlns:a="http://schemas.openxmlformats.org/drawingml/2006/main" name="Office Theme">
+<a:theme xmlns:a="http://schemas.openxmlformats.org/drawingml/2006/main" name="Equity">
   <a:themeElements>
-    <a:clrScheme name="Office">
+    <a:clrScheme name="Elemental">
       <a:dk1>
         <a:sysClr val="windowText" lastClr="000000"/>
       </a:dk1>
@@ -10310,48 +11169,87 @@
         <a:sysClr val="window" lastClr="FFFFFF"/>
       </a:lt1>
       <a:dk2>
-        <a:srgbClr val="1F497D"/>
+        <a:srgbClr val="242852"/>
       </a:dk2>
       <a:lt2>
-        <a:srgbClr val="EEECE1"/>
+        <a:srgbClr val="ACCBF9"/>
       </a:lt2>
       <a:accent1>
-        <a:srgbClr val="4F81BD"/>
+        <a:srgbClr val="629DD1"/>
       </a:accent1>
       <a:accent2>
-        <a:srgbClr val="C0504D"/>
+        <a:srgbClr val="297FD5"/>
       </a:accent2>
       <a:accent3>
-        <a:srgbClr val="9BBB59"/>
+        <a:srgbClr val="7F8FA9"/>
       </a:accent3>
       <a:accent4>
-        <a:srgbClr val="8064A2"/>
+        <a:srgbClr val="4A66AC"/>
       </a:accent4>
       <a:accent5>
-        <a:srgbClr val="4BACC6"/>
+        <a:srgbClr val="5AA2AE"/>
       </a:accent5>
       <a:accent6>
-        <a:srgbClr val="F79646"/>
+        <a:srgbClr val="9D90A0"/>
       </a:accent6>
       <a:hlink>
-        <a:srgbClr val="0000FF"/>
+        <a:srgbClr val="9454C3"/>
       </a:hlink>
       <a:folHlink>
-        <a:srgbClr val="800080"/>
+        <a:srgbClr val="3EBBF0"/>
       </a:folHlink>
     </a:clrScheme>
-    <a:fontScheme name="Office">
+    <a:fontScheme name="Equity">
       <a:majorFont>
-        <a:latin typeface="Calibri"/>
+        <a:latin typeface="Franklin Gothic Book"/>
         <a:ea typeface=""/>
         <a:cs typeface=""/>
-        <a:font script="Jpan" typeface="ＭＳ Ｐゴシック"/>
+        <a:font script="Grek" typeface="Calibri"/>
+        <a:font script="Cyrl" typeface="Calibri"/>
+        <a:font script="Jpan" typeface="HGｺﾞｼｯｸM"/>
+        <a:font script="Hang" typeface="바탕"/>
+        <a:font script="Hans" typeface="幼圆"/>
+        <a:font script="Hant" typeface="微軟正黑體"/>
+        <a:font script="Arab" typeface="Tahoma"/>
+        <a:font script="Hebr" typeface="Aharoni"/>
+        <a:font script="Thai" typeface="LilyUPC"/>
+        <a:font script="Ethi" typeface="Nyala"/>
+        <a:font script="Beng" typeface="Vrinda"/>
+        <a:font script="Gujr" typeface="Shruti"/>
+        <a:font script="Khmr" typeface="DaunPenh"/>
+        <a:font script="Knda" typeface="Tunga"/>
+        <a:font script="Guru" typeface="Raavi"/>
+        <a:font script="Cans" typeface="Euphemia"/>
+        <a:font script="Cher" typeface="Plantagenet Cherokee"/>
+        <a:font script="Yiii" typeface="Microsoft Yi Baiti"/>
+        <a:font script="Tibt" typeface="Microsoft Himalaya"/>
+        <a:font script="Thaa" typeface="MV Boli"/>
+        <a:font script="Deva" typeface="Mangal"/>
+        <a:font script="Telu" typeface="Gautami"/>
+        <a:font script="Taml" typeface="Latha"/>
+        <a:font script="Syrc" typeface="Estrangelo Edessa"/>
+        <a:font script="Orya" typeface="Kalinga"/>
+        <a:font script="Mlym" typeface="Kartika"/>
+        <a:font script="Laoo" typeface="DokChampa"/>
+        <a:font script="Sinh" typeface="Iskoola Pota"/>
+        <a:font script="Mong" typeface="Mongolian Baiti"/>
+        <a:font script="Viet" typeface="Tahoma"/>
+        <a:font script="Uigh" typeface="Microsoft Uighur"/>
+        <a:font script="Geor" typeface="Sylfaen"/>
+      </a:majorFont>
+      <a:minorFont>
+        <a:latin typeface="Perpetua"/>
+        <a:ea typeface=""/>
+        <a:cs typeface=""/>
+        <a:font script="Grek" typeface="Cambria"/>
+        <a:font script="Cyrl" typeface="Cambria"/>
+        <a:font script="Jpan" typeface="HG創英ﾌﾟﾚｾﾞﾝｽEB"/>
         <a:font script="Hang" typeface="맑은 고딕"/>
         <a:font script="Hans" typeface="宋体"/>
         <a:font script="Hant" typeface="新細明體"/>
         <a:font script="Arab" typeface="Times New Roman"/>
-        <a:font script="Hebr" typeface="Times New Roman"/>
-        <a:font script="Thai" typeface="Angsana New"/>
+        <a:font script="Hebr" typeface="Aharoni"/>
+        <a:font script="Thai" typeface="EucrosiaUPC"/>
         <a:font script="Ethi" typeface="Nyala"/>
         <a:font script="Beng" typeface="Vrinda"/>
         <a:font script="Gujr" typeface="Shruti"/>
@@ -10375,106 +11273,55 @@
         <a:font script="Viet" typeface="Times New Roman"/>
         <a:font script="Uigh" typeface="Microsoft Uighur"/>
         <a:font script="Geor" typeface="Sylfaen"/>
-      </a:majorFont>
-      <a:minorFont>
-        <a:latin typeface="Calibri"/>
-        <a:ea typeface=""/>
-        <a:cs typeface=""/>
-        <a:font script="Jpan" typeface="ＭＳ Ｐゴシック"/>
-        <a:font script="Hang" typeface="맑은 고딕"/>
-        <a:font script="Hans" typeface="宋体"/>
-        <a:font script="Hant" typeface="新細明體"/>
-        <a:font script="Arab" typeface="Arial"/>
-        <a:font script="Hebr" typeface="Arial"/>
-        <a:font script="Thai" typeface="Cordia New"/>
-        <a:font script="Ethi" typeface="Nyala"/>
-        <a:font script="Beng" typeface="Vrinda"/>
-        <a:font script="Gujr" typeface="Shruti"/>
-        <a:font script="Khmr" typeface="DaunPenh"/>
-        <a:font script="Knda" typeface="Tunga"/>
-        <a:font script="Guru" typeface="Raavi"/>
-        <a:font script="Cans" typeface="Euphemia"/>
-        <a:font script="Cher" typeface="Plantagenet Cherokee"/>
-        <a:font script="Yiii" typeface="Microsoft Yi Baiti"/>
-        <a:font script="Tibt" typeface="Microsoft Himalaya"/>
-        <a:font script="Thaa" typeface="MV Boli"/>
-        <a:font script="Deva" typeface="Mangal"/>
-        <a:font script="Telu" typeface="Gautami"/>
-        <a:font script="Taml" typeface="Latha"/>
-        <a:font script="Syrc" typeface="Estrangelo Edessa"/>
-        <a:font script="Orya" typeface="Kalinga"/>
-        <a:font script="Mlym" typeface="Kartika"/>
-        <a:font script="Laoo" typeface="DokChampa"/>
-        <a:font script="Sinh" typeface="Iskoola Pota"/>
-        <a:font script="Mong" typeface="Mongolian Baiti"/>
-        <a:font script="Viet" typeface="Arial"/>
-        <a:font script="Uigh" typeface="Microsoft Uighur"/>
-        <a:font script="Geor" typeface="Sylfaen"/>
       </a:minorFont>
     </a:fontScheme>
-    <a:fmtScheme name="Office">
+    <a:fmtScheme name="Equity">
       <a:fillStyleLst>
         <a:solidFill>
           <a:schemeClr val="phClr"/>
         </a:solidFill>
-        <a:gradFill rotWithShape="1">
-          <a:gsLst>
-            <a:gs pos="0">
+        <a:blipFill>
+          <a:blip xmlns:r="http://schemas.openxmlformats.org/officeDocument/2006/relationships" r:embed="rId1">
+            <a:duotone>
               <a:schemeClr val="phClr">
-                <a:tint val="50000"/>
+                <a:tint val="30000"/>
                 <a:satMod val="300000"/>
               </a:schemeClr>
-            </a:gs>
-            <a:gs pos="35000">
               <a:schemeClr val="phClr">
-                <a:tint val="37000"/>
-                <a:satMod val="300000"/>
+                <a:tint val="40000"/>
+                <a:satMod val="200000"/>
               </a:schemeClr>
-            </a:gs>
-            <a:gs pos="100000">
+            </a:duotone>
+          </a:blip>
+          <a:tile tx="0" ty="0" sx="70000" sy="70000" flip="none" algn="ctr"/>
+        </a:blipFill>
+        <a:blipFill>
+          <a:blip xmlns:r="http://schemas.openxmlformats.org/officeDocument/2006/relationships" r:embed="rId1">
+            <a:duotone>
               <a:schemeClr val="phClr">
-                <a:tint val="15000"/>
-                <a:satMod val="350000"/>
+                <a:shade val="22000"/>
+                <a:satMod val="160000"/>
               </a:schemeClr>
-            </a:gs>
-          </a:gsLst>
-          <a:lin ang="16200000" scaled="1"/>
-        </a:gradFill>
-        <a:gradFill rotWithShape="1">
-          <a:gsLst>
-            <a:gs pos="0">
               <a:schemeClr val="phClr">
-                <a:shade val="51000"/>
-                <a:satMod val="130000"/>
+                <a:shade val="45000"/>
+                <a:satMod val="100000"/>
               </a:schemeClr>
-            </a:gs>
-            <a:gs pos="80000">
-              <a:schemeClr val="phClr">
-                <a:shade val="93000"/>
-                <a:satMod val="130000"/>
-              </a:schemeClr>
-            </a:gs>
-            <a:gs pos="100000">
-              <a:schemeClr val="phClr">
-                <a:shade val="94000"/>
-                <a:satMod val="135000"/>
-              </a:schemeClr>
-            </a:gs>
-          </a:gsLst>
-          <a:lin ang="16200000" scaled="0"/>
-        </a:gradFill>
+            </a:duotone>
+          </a:blip>
+          <a:tile tx="0" ty="0" sx="65000" sy="65000" flip="none" algn="ctr"/>
+        </a:blipFill>
       </a:fillStyleLst>
       <a:lnStyleLst>
         <a:ln w="9525" cap="flat" cmpd="sng" algn="ctr">
           <a:solidFill>
             <a:schemeClr val="phClr">
-              <a:shade val="95000"/>
-              <a:satMod val="105000"/>
+              <a:shade val="60000"/>
+              <a:satMod val="110000"/>
             </a:schemeClr>
           </a:solidFill>
           <a:prstDash val="solid"/>
         </a:ln>
-        <a:ln w="25400" cap="flat" cmpd="sng" algn="ctr">
+        <a:ln w="12700" cap="flat" cmpd="sng" algn="ctr">
           <a:solidFill>
             <a:schemeClr val="phClr"/>
           </a:solidFill>
@@ -10490,40 +11337,46 @@
       <a:effectStyleLst>
         <a:effectStyle>
           <a:effectLst>
-            <a:outerShdw blurRad="40000" dist="20000" dir="5400000" rotWithShape="0">
+            <a:outerShdw blurRad="38100" dist="25400" dir="5400000" algn="t" rotWithShape="0">
               <a:srgbClr val="000000">
-                <a:alpha val="38000"/>
+                <a:alpha val="50000"/>
               </a:srgbClr>
             </a:outerShdw>
           </a:effectLst>
         </a:effectStyle>
         <a:effectStyle>
           <a:effectLst>
-            <a:outerShdw blurRad="40000" dist="23000" dir="5400000" rotWithShape="0">
+            <a:outerShdw blurRad="38100" dist="25400" dir="5400000" algn="t" rotWithShape="0">
               <a:srgbClr val="000000">
-                <a:alpha val="35000"/>
+                <a:alpha val="50000"/>
               </a:srgbClr>
             </a:outerShdw>
           </a:effectLst>
         </a:effectStyle>
         <a:effectStyle>
           <a:effectLst>
-            <a:outerShdw blurRad="40000" dist="23000" dir="5400000" rotWithShape="0">
+            <a:outerShdw blurRad="50800" dist="50800" dir="5400000" algn="t" rotWithShape="0">
               <a:srgbClr val="000000">
-                <a:alpha val="35000"/>
+                <a:alpha val="60000"/>
               </a:srgbClr>
             </a:outerShdw>
           </a:effectLst>
           <a:scene3d>
-            <a:camera prst="orthographicFront">
+            <a:camera prst="isometricBottomUp" fov="0">
               <a:rot lat="0" lon="0" rev="0"/>
             </a:camera>
-            <a:lightRig rig="threePt" dir="t">
-              <a:rot lat="0" lon="0" rev="1200000"/>
+            <a:lightRig rig="soft" dir="b">
+              <a:rot lat="0" lon="0" rev="9000000"/>
             </a:lightRig>
           </a:scene3d>
-          <a:sp3d>
-            <a:bevelT w="63500" h="25400"/>
+          <a:sp3d contourW="35000" prstMaterial="matte">
+            <a:bevelT w="45000" h="38100" prst="convex"/>
+            <a:contourClr>
+              <a:schemeClr val="phClr">
+                <a:tint val="10000"/>
+                <a:satMod val="130000"/>
+              </a:schemeClr>
+            </a:contourClr>
           </a:sp3d>
         </a:effectStyle>
       </a:effectStyleLst>
@@ -10535,47 +11388,40 @@
           <a:gsLst>
             <a:gs pos="0">
               <a:schemeClr val="phClr">
-                <a:tint val="40000"/>
-                <a:satMod val="350000"/>
+                <a:shade val="40000"/>
+                <a:satMod val="165000"/>
               </a:schemeClr>
             </a:gs>
-            <a:gs pos="40000">
+            <a:gs pos="50000">
               <a:schemeClr val="phClr">
-                <a:tint val="45000"/>
-                <a:shade val="99000"/>
-                <a:satMod val="350000"/>
+                <a:shade val="80000"/>
+                <a:satMod val="155000"/>
               </a:schemeClr>
             </a:gs>
             <a:gs pos="100000">
               <a:schemeClr val="phClr">
-                <a:shade val="20000"/>
-                <a:satMod val="255000"/>
-              </a:schemeClr>
-            </a:gs>
-          </a:gsLst>
-          <a:path path="circle">
-            <a:fillToRect l="50000" t="-80000" r="50000" b="180000"/>
-          </a:path>
-        </a:gradFill>
-        <a:gradFill rotWithShape="1">
-          <a:gsLst>
-            <a:gs pos="0">
-              <a:schemeClr val="phClr">
-                <a:tint val="80000"/>
-                <a:satMod val="300000"/>
-              </a:schemeClr>
-            </a:gs>
-            <a:gs pos="100000">
-              <a:schemeClr val="phClr">
-                <a:shade val="30000"/>
+                <a:tint val="95000"/>
                 <a:satMod val="200000"/>
               </a:schemeClr>
             </a:gs>
           </a:gsLst>
-          <a:path path="circle">
-            <a:fillToRect l="50000" t="50000" r="50000" b="50000"/>
-          </a:path>
+          <a:lin ang="16200000" scaled="1"/>
         </a:gradFill>
+        <a:blipFill>
+          <a:blip xmlns:r="http://schemas.openxmlformats.org/officeDocument/2006/relationships" r:embed="rId1">
+            <a:duotone>
+              <a:schemeClr val="phClr">
+                <a:tint val="95000"/>
+                <a:satMod val="200000"/>
+              </a:schemeClr>
+              <a:schemeClr val="phClr">
+                <a:shade val="80000"/>
+                <a:satMod val="100000"/>
+              </a:schemeClr>
+            </a:duotone>
+          </a:blip>
+          <a:tile tx="0" ty="0" sx="55000" sy="55000" flip="none" algn="tl"/>
+        </a:blipFill>
       </a:bgFillStyleLst>
     </a:fmtScheme>
   </a:themeElements>
